--- a/Tetropentada.pptx
+++ b/Tetropentada.pptx
@@ -112,7 +112,7 @@
   </p:defaultTextStyle>
   <p:extLst>
     <p:ext uri="{EFAFB233-063F-42B5-8137-9DF3F51BA10A}">
-      <p15:sldGuideLst xmlns:p15="http://schemas.microsoft.com/office/powerpoint/2012/main" xmlns=""/>
+      <p15:sldGuideLst xmlns:p15="http://schemas.microsoft.com/office/powerpoint/2012/main"/>
     </p:ext>
   </p:extLst>
 </p:presentation>
@@ -249,7 +249,6 @@
           <a:p>
             <a:fld id="{BF174B51-6289-4E04-8C27-63020DE3F072}" type="datetimeFigureOut">
               <a:rPr lang="ru-RU" smtClean="0"/>
-              <a:pPr/>
               <a:t>09.04.2019</a:t>
             </a:fld>
             <a:endParaRPr lang="ru-RU"/>
@@ -292,7 +291,6 @@
           <a:p>
             <a:fld id="{3C15F9F9-528D-4DDE-84FB-786961C6472B}" type="slidenum">
               <a:rPr lang="ru-RU" smtClean="0"/>
-              <a:pPr/>
               <a:t>‹#›</a:t>
             </a:fld>
             <a:endParaRPr lang="ru-RU"/>
@@ -302,7 +300,7 @@
     </p:spTree>
     <p:extLst>
       <p:ext uri="{BB962C8B-B14F-4D97-AF65-F5344CB8AC3E}">
-        <p14:creationId xmlns:p14="http://schemas.microsoft.com/office/powerpoint/2010/main" xmlns="" val="1042148784"/>
+        <p14:creationId xmlns:p14="http://schemas.microsoft.com/office/powerpoint/2010/main" val="1042148784"/>
       </p:ext>
     </p:extLst>
   </p:cSld>
@@ -421,7 +419,6 @@
           <a:p>
             <a:fld id="{BF174B51-6289-4E04-8C27-63020DE3F072}" type="datetimeFigureOut">
               <a:rPr lang="ru-RU" smtClean="0"/>
-              <a:pPr/>
               <a:t>09.04.2019</a:t>
             </a:fld>
             <a:endParaRPr lang="ru-RU"/>
@@ -464,7 +461,6 @@
           <a:p>
             <a:fld id="{3C15F9F9-528D-4DDE-84FB-786961C6472B}" type="slidenum">
               <a:rPr lang="ru-RU" smtClean="0"/>
-              <a:pPr/>
               <a:t>‹#›</a:t>
             </a:fld>
             <a:endParaRPr lang="ru-RU"/>
@@ -474,7 +470,7 @@
     </p:spTree>
     <p:extLst>
       <p:ext uri="{BB962C8B-B14F-4D97-AF65-F5344CB8AC3E}">
-        <p14:creationId xmlns:p14="http://schemas.microsoft.com/office/powerpoint/2010/main" xmlns="" val="2246207234"/>
+        <p14:creationId xmlns:p14="http://schemas.microsoft.com/office/powerpoint/2010/main" val="2246207234"/>
       </p:ext>
     </p:extLst>
   </p:cSld>
@@ -603,7 +599,6 @@
           <a:p>
             <a:fld id="{BF174B51-6289-4E04-8C27-63020DE3F072}" type="datetimeFigureOut">
               <a:rPr lang="ru-RU" smtClean="0"/>
-              <a:pPr/>
               <a:t>09.04.2019</a:t>
             </a:fld>
             <a:endParaRPr lang="ru-RU"/>
@@ -646,7 +641,6 @@
           <a:p>
             <a:fld id="{3C15F9F9-528D-4DDE-84FB-786961C6472B}" type="slidenum">
               <a:rPr lang="ru-RU" smtClean="0"/>
-              <a:pPr/>
               <a:t>‹#›</a:t>
             </a:fld>
             <a:endParaRPr lang="ru-RU"/>
@@ -656,7 +650,7 @@
     </p:spTree>
     <p:extLst>
       <p:ext uri="{BB962C8B-B14F-4D97-AF65-F5344CB8AC3E}">
-        <p14:creationId xmlns:p14="http://schemas.microsoft.com/office/powerpoint/2010/main" xmlns="" val="1323152159"/>
+        <p14:creationId xmlns:p14="http://schemas.microsoft.com/office/powerpoint/2010/main" val="1323152159"/>
       </p:ext>
     </p:extLst>
   </p:cSld>
@@ -775,7 +769,6 @@
           <a:p>
             <a:fld id="{BF174B51-6289-4E04-8C27-63020DE3F072}" type="datetimeFigureOut">
               <a:rPr lang="ru-RU" smtClean="0"/>
-              <a:pPr/>
               <a:t>09.04.2019</a:t>
             </a:fld>
             <a:endParaRPr lang="ru-RU"/>
@@ -818,7 +811,6 @@
           <a:p>
             <a:fld id="{3C15F9F9-528D-4DDE-84FB-786961C6472B}" type="slidenum">
               <a:rPr lang="ru-RU" smtClean="0"/>
-              <a:pPr/>
               <a:t>‹#›</a:t>
             </a:fld>
             <a:endParaRPr lang="ru-RU"/>
@@ -828,7 +820,7 @@
     </p:spTree>
     <p:extLst>
       <p:ext uri="{BB962C8B-B14F-4D97-AF65-F5344CB8AC3E}">
-        <p14:creationId xmlns:p14="http://schemas.microsoft.com/office/powerpoint/2010/main" xmlns="" val="4018631047"/>
+        <p14:creationId xmlns:p14="http://schemas.microsoft.com/office/powerpoint/2010/main" val="4018631047"/>
       </p:ext>
     </p:extLst>
   </p:cSld>
@@ -1023,7 +1015,6 @@
           <a:p>
             <a:fld id="{BF174B51-6289-4E04-8C27-63020DE3F072}" type="datetimeFigureOut">
               <a:rPr lang="ru-RU" smtClean="0"/>
-              <a:pPr/>
               <a:t>09.04.2019</a:t>
             </a:fld>
             <a:endParaRPr lang="ru-RU"/>
@@ -1066,7 +1057,6 @@
           <a:p>
             <a:fld id="{3C15F9F9-528D-4DDE-84FB-786961C6472B}" type="slidenum">
               <a:rPr lang="ru-RU" smtClean="0"/>
-              <a:pPr/>
               <a:t>‹#›</a:t>
             </a:fld>
             <a:endParaRPr lang="ru-RU"/>
@@ -1076,7 +1066,7 @@
     </p:spTree>
     <p:extLst>
       <p:ext uri="{BB962C8B-B14F-4D97-AF65-F5344CB8AC3E}">
-        <p14:creationId xmlns:p14="http://schemas.microsoft.com/office/powerpoint/2010/main" xmlns="" val="1095372989"/>
+        <p14:creationId xmlns:p14="http://schemas.microsoft.com/office/powerpoint/2010/main" val="1095372989"/>
       </p:ext>
     </p:extLst>
   </p:cSld>
@@ -1257,7 +1247,6 @@
           <a:p>
             <a:fld id="{BF174B51-6289-4E04-8C27-63020DE3F072}" type="datetimeFigureOut">
               <a:rPr lang="ru-RU" smtClean="0"/>
-              <a:pPr/>
               <a:t>09.04.2019</a:t>
             </a:fld>
             <a:endParaRPr lang="ru-RU"/>
@@ -1300,7 +1289,6 @@
           <a:p>
             <a:fld id="{3C15F9F9-528D-4DDE-84FB-786961C6472B}" type="slidenum">
               <a:rPr lang="ru-RU" smtClean="0"/>
-              <a:pPr/>
               <a:t>‹#›</a:t>
             </a:fld>
             <a:endParaRPr lang="ru-RU"/>
@@ -1310,7 +1298,7 @@
     </p:spTree>
     <p:extLst>
       <p:ext uri="{BB962C8B-B14F-4D97-AF65-F5344CB8AC3E}">
-        <p14:creationId xmlns:p14="http://schemas.microsoft.com/office/powerpoint/2010/main" xmlns="" val="3889516354"/>
+        <p14:creationId xmlns:p14="http://schemas.microsoft.com/office/powerpoint/2010/main" val="3889516354"/>
       </p:ext>
     </p:extLst>
   </p:cSld>
@@ -1626,7 +1614,6 @@
           <a:p>
             <a:fld id="{BF174B51-6289-4E04-8C27-63020DE3F072}" type="datetimeFigureOut">
               <a:rPr lang="ru-RU" smtClean="0"/>
-              <a:pPr/>
               <a:t>09.04.2019</a:t>
             </a:fld>
             <a:endParaRPr lang="ru-RU"/>
@@ -1669,7 +1656,6 @@
           <a:p>
             <a:fld id="{3C15F9F9-528D-4DDE-84FB-786961C6472B}" type="slidenum">
               <a:rPr lang="ru-RU" smtClean="0"/>
-              <a:pPr/>
               <a:t>‹#›</a:t>
             </a:fld>
             <a:endParaRPr lang="ru-RU"/>
@@ -1679,7 +1665,7 @@
     </p:spTree>
     <p:extLst>
       <p:ext uri="{BB962C8B-B14F-4D97-AF65-F5344CB8AC3E}">
-        <p14:creationId xmlns:p14="http://schemas.microsoft.com/office/powerpoint/2010/main" xmlns="" val="279045161"/>
+        <p14:creationId xmlns:p14="http://schemas.microsoft.com/office/powerpoint/2010/main" val="279045161"/>
       </p:ext>
     </p:extLst>
   </p:cSld>
@@ -1746,7 +1732,6 @@
           <a:p>
             <a:fld id="{BF174B51-6289-4E04-8C27-63020DE3F072}" type="datetimeFigureOut">
               <a:rPr lang="ru-RU" smtClean="0"/>
-              <a:pPr/>
               <a:t>09.04.2019</a:t>
             </a:fld>
             <a:endParaRPr lang="ru-RU"/>
@@ -1789,7 +1774,6 @@
           <a:p>
             <a:fld id="{3C15F9F9-528D-4DDE-84FB-786961C6472B}" type="slidenum">
               <a:rPr lang="ru-RU" smtClean="0"/>
-              <a:pPr/>
               <a:t>‹#›</a:t>
             </a:fld>
             <a:endParaRPr lang="ru-RU"/>
@@ -1799,7 +1783,7 @@
     </p:spTree>
     <p:extLst>
       <p:ext uri="{BB962C8B-B14F-4D97-AF65-F5344CB8AC3E}">
-        <p14:creationId xmlns:p14="http://schemas.microsoft.com/office/powerpoint/2010/main" xmlns="" val="2948663086"/>
+        <p14:creationId xmlns:p14="http://schemas.microsoft.com/office/powerpoint/2010/main" val="2948663086"/>
       </p:ext>
     </p:extLst>
   </p:cSld>
@@ -1843,7 +1827,6 @@
           <a:p>
             <a:fld id="{BF174B51-6289-4E04-8C27-63020DE3F072}" type="datetimeFigureOut">
               <a:rPr lang="ru-RU" smtClean="0"/>
-              <a:pPr/>
               <a:t>09.04.2019</a:t>
             </a:fld>
             <a:endParaRPr lang="ru-RU"/>
@@ -1886,7 +1869,6 @@
           <a:p>
             <a:fld id="{3C15F9F9-528D-4DDE-84FB-786961C6472B}" type="slidenum">
               <a:rPr lang="ru-RU" smtClean="0"/>
-              <a:pPr/>
               <a:t>‹#›</a:t>
             </a:fld>
             <a:endParaRPr lang="ru-RU"/>
@@ -1896,7 +1878,7 @@
     </p:spTree>
     <p:extLst>
       <p:ext uri="{BB962C8B-B14F-4D97-AF65-F5344CB8AC3E}">
-        <p14:creationId xmlns:p14="http://schemas.microsoft.com/office/powerpoint/2010/main" xmlns="" val="1069089053"/>
+        <p14:creationId xmlns:p14="http://schemas.microsoft.com/office/powerpoint/2010/main" val="1069089053"/>
       </p:ext>
     </p:extLst>
   </p:cSld>
@@ -2122,7 +2104,6 @@
           <a:p>
             <a:fld id="{BF174B51-6289-4E04-8C27-63020DE3F072}" type="datetimeFigureOut">
               <a:rPr lang="ru-RU" smtClean="0"/>
-              <a:pPr/>
               <a:t>09.04.2019</a:t>
             </a:fld>
             <a:endParaRPr lang="ru-RU"/>
@@ -2165,7 +2146,6 @@
           <a:p>
             <a:fld id="{3C15F9F9-528D-4DDE-84FB-786961C6472B}" type="slidenum">
               <a:rPr lang="ru-RU" smtClean="0"/>
-              <a:pPr/>
               <a:t>‹#›</a:t>
             </a:fld>
             <a:endParaRPr lang="ru-RU"/>
@@ -2175,7 +2155,7 @@
     </p:spTree>
     <p:extLst>
       <p:ext uri="{BB962C8B-B14F-4D97-AF65-F5344CB8AC3E}">
-        <p14:creationId xmlns:p14="http://schemas.microsoft.com/office/powerpoint/2010/main" xmlns="" val="3576801669"/>
+        <p14:creationId xmlns:p14="http://schemas.microsoft.com/office/powerpoint/2010/main" val="3576801669"/>
       </p:ext>
     </p:extLst>
   </p:cSld>
@@ -2377,7 +2357,6 @@
           <a:p>
             <a:fld id="{BF174B51-6289-4E04-8C27-63020DE3F072}" type="datetimeFigureOut">
               <a:rPr lang="ru-RU" smtClean="0"/>
-              <a:pPr/>
               <a:t>09.04.2019</a:t>
             </a:fld>
             <a:endParaRPr lang="ru-RU"/>
@@ -2420,7 +2399,6 @@
           <a:p>
             <a:fld id="{3C15F9F9-528D-4DDE-84FB-786961C6472B}" type="slidenum">
               <a:rPr lang="ru-RU" smtClean="0"/>
-              <a:pPr/>
               <a:t>‹#›</a:t>
             </a:fld>
             <a:endParaRPr lang="ru-RU"/>
@@ -2430,7 +2408,7 @@
     </p:spTree>
     <p:extLst>
       <p:ext uri="{BB962C8B-B14F-4D97-AF65-F5344CB8AC3E}">
-        <p14:creationId xmlns:p14="http://schemas.microsoft.com/office/powerpoint/2010/main" xmlns="" val="880517641"/>
+        <p14:creationId xmlns:p14="http://schemas.microsoft.com/office/powerpoint/2010/main" val="880517641"/>
       </p:ext>
     </p:extLst>
   </p:cSld>
@@ -2592,7 +2570,6 @@
           <a:p>
             <a:fld id="{BF174B51-6289-4E04-8C27-63020DE3F072}" type="datetimeFigureOut">
               <a:rPr lang="ru-RU" smtClean="0"/>
-              <a:pPr/>
               <a:t>09.04.2019</a:t>
             </a:fld>
             <a:endParaRPr lang="ru-RU"/>
@@ -2671,7 +2648,6 @@
           <a:p>
             <a:fld id="{3C15F9F9-528D-4DDE-84FB-786961C6472B}" type="slidenum">
               <a:rPr lang="ru-RU" smtClean="0"/>
-              <a:pPr/>
               <a:t>‹#›</a:t>
             </a:fld>
             <a:endParaRPr lang="ru-RU"/>
@@ -2681,7 +2657,7 @@
     </p:spTree>
     <p:extLst>
       <p:ext uri="{BB962C8B-B14F-4D97-AF65-F5344CB8AC3E}">
-        <p14:creationId xmlns:p14="http://schemas.microsoft.com/office/powerpoint/2010/main" xmlns="" val="546135924"/>
+        <p14:creationId xmlns:p14="http://schemas.microsoft.com/office/powerpoint/2010/main" val="546135924"/>
       </p:ext>
     </p:extLst>
   </p:cSld>
@@ -3031,23 +3007,13 @@
     </p:spTree>
     <p:extLst>
       <p:ext uri="{BB962C8B-B14F-4D97-AF65-F5344CB8AC3E}">
-        <p14:creationId xmlns:p14="http://schemas.microsoft.com/office/powerpoint/2010/main" xmlns="" val="3726849874"/>
+        <p14:creationId xmlns:p14="http://schemas.microsoft.com/office/powerpoint/2010/main" val="3726849874"/>
       </p:ext>
     </p:extLst>
   </p:cSld>
   <p:clrMapOvr>
     <a:masterClrMapping/>
   </p:clrMapOvr>
-  <p:transition>
-    <p:fade/>
-  </p:transition>
-  <p:timing>
-    <p:tnLst>
-      <p:par>
-        <p:cTn id="1" dur="indefinite" restart="never" nodeType="tmRoot"/>
-      </p:par>
-    </p:tnLst>
-  </p:timing>
 </p:sld>
 </file>
 
@@ -3088,7 +3054,14 @@
                 <a:latin typeface="Times New Roman" panose="02020603050405020304" pitchFamily="18" charset="0"/>
                 <a:cs typeface="Times New Roman" panose="02020603050405020304" pitchFamily="18" charset="0"/>
               </a:rPr>
-              <a:t>Структура проекта. Статистический контент</a:t>
+              <a:t>Структура </a:t>
+            </a:r>
+            <a:r>
+              <a:rPr lang="ru-RU" dirty="0" smtClean="0">
+                <a:latin typeface="Times New Roman" panose="02020603050405020304" pitchFamily="18" charset="0"/>
+                <a:cs typeface="Times New Roman" panose="02020603050405020304" pitchFamily="18" charset="0"/>
+              </a:rPr>
+              <a:t>проекта. Статистический контент</a:t>
             </a:r>
             <a:endParaRPr lang="ru-RU" dirty="0">
               <a:latin typeface="Times New Roman" panose="02020603050405020304" pitchFamily="18" charset="0"/>
@@ -3440,23 +3413,13 @@
     </p:spTree>
     <p:extLst>
       <p:ext uri="{BB962C8B-B14F-4D97-AF65-F5344CB8AC3E}">
-        <p14:creationId xmlns:p14="http://schemas.microsoft.com/office/powerpoint/2010/main" xmlns="" val="4142046909"/>
+        <p14:creationId xmlns:p14="http://schemas.microsoft.com/office/powerpoint/2010/main" val="4142046909"/>
       </p:ext>
     </p:extLst>
   </p:cSld>
   <p:clrMapOvr>
     <a:masterClrMapping/>
   </p:clrMapOvr>
-  <p:transition>
-    <p:fade/>
-  </p:transition>
-  <p:timing>
-    <p:tnLst>
-      <p:par>
-        <p:cTn id="1" dur="indefinite" restart="never" nodeType="tmRoot"/>
-      </p:par>
-    </p:tnLst>
-  </p:timing>
 </p:sld>
 </file>
 
@@ -3497,7 +3460,14 @@
                 <a:latin typeface="Times New Roman" panose="02020603050405020304" pitchFamily="18" charset="0"/>
                 <a:cs typeface="Times New Roman" panose="02020603050405020304" pitchFamily="18" charset="0"/>
               </a:rPr>
-              <a:t>Структура проекта</a:t>
+              <a:t>Структура </a:t>
+            </a:r>
+            <a:r>
+              <a:rPr lang="ru-RU" dirty="0" smtClean="0">
+                <a:latin typeface="Times New Roman" panose="02020603050405020304" pitchFamily="18" charset="0"/>
+                <a:cs typeface="Times New Roman" panose="02020603050405020304" pitchFamily="18" charset="0"/>
+              </a:rPr>
+              <a:t>проекта</a:t>
             </a:r>
             <a:r>
               <a:rPr lang="en-US" dirty="0" smtClean="0">
@@ -3663,8 +3633,19 @@
                 <a:latin typeface="Times New Roman" panose="02020603050405020304" pitchFamily="18" charset="0"/>
                 <a:cs typeface="Times New Roman" panose="02020603050405020304" pitchFamily="18" charset="0"/>
               </a:rPr>
-              <a:t> – шаблон, отвечающий за страницу Вопрос-Ответ</a:t>
-            </a:r>
+              <a:t> – </a:t>
+            </a:r>
+            <a:r>
+              <a:rPr lang="ru-RU" dirty="0" smtClean="0">
+                <a:latin typeface="Times New Roman" panose="02020603050405020304" pitchFamily="18" charset="0"/>
+                <a:cs typeface="Times New Roman" panose="02020603050405020304" pitchFamily="18" charset="0"/>
+              </a:rPr>
+              <a:t>шаблон, отвечающий за страницу Вопрос-Ответ</a:t>
+            </a:r>
+            <a:endParaRPr lang="ru-RU" dirty="0" smtClean="0">
+              <a:latin typeface="Times New Roman" panose="02020603050405020304" pitchFamily="18" charset="0"/>
+              <a:cs typeface="Times New Roman" panose="02020603050405020304" pitchFamily="18" charset="0"/>
+            </a:endParaRPr>
           </a:p>
           <a:p>
             <a:pPr lvl="1"/>
@@ -3825,23 +3806,13 @@
     </p:spTree>
     <p:extLst>
       <p:ext uri="{BB962C8B-B14F-4D97-AF65-F5344CB8AC3E}">
-        <p14:creationId xmlns:p14="http://schemas.microsoft.com/office/powerpoint/2010/main" xmlns="" val="1275379318"/>
+        <p14:creationId xmlns:p14="http://schemas.microsoft.com/office/powerpoint/2010/main" val="1275379318"/>
       </p:ext>
     </p:extLst>
   </p:cSld>
   <p:clrMapOvr>
     <a:masterClrMapping/>
   </p:clrMapOvr>
-  <p:transition>
-    <p:fade/>
-  </p:transition>
-  <p:timing>
-    <p:tnLst>
-      <p:par>
-        <p:cTn id="1" dur="indefinite" restart="never" nodeType="tmRoot"/>
-      </p:par>
-    </p:tnLst>
-  </p:timing>
 </p:sld>
 </file>
 
@@ -3882,7 +3853,14 @@
                 <a:latin typeface="Times New Roman" panose="02020603050405020304" pitchFamily="18" charset="0"/>
                 <a:cs typeface="Times New Roman" panose="02020603050405020304" pitchFamily="18" charset="0"/>
               </a:rPr>
-              <a:t>Структура проекта. </a:t>
+              <a:t>Структура </a:t>
+            </a:r>
+            <a:r>
+              <a:rPr lang="ru-RU" dirty="0" smtClean="0">
+                <a:latin typeface="Times New Roman" panose="02020603050405020304" pitchFamily="18" charset="0"/>
+                <a:cs typeface="Times New Roman" panose="02020603050405020304" pitchFamily="18" charset="0"/>
+              </a:rPr>
+              <a:t>проекта. </a:t>
             </a:r>
             <a:r>
               <a:rPr lang="en-US" dirty="0" smtClean="0">
@@ -4048,23 +4026,13 @@
     </p:spTree>
     <p:extLst>
       <p:ext uri="{BB962C8B-B14F-4D97-AF65-F5344CB8AC3E}">
-        <p14:creationId xmlns:p14="http://schemas.microsoft.com/office/powerpoint/2010/main" xmlns="" val="3817884984"/>
+        <p14:creationId xmlns:p14="http://schemas.microsoft.com/office/powerpoint/2010/main" val="3817884984"/>
       </p:ext>
     </p:extLst>
   </p:cSld>
   <p:clrMapOvr>
     <a:masterClrMapping/>
   </p:clrMapOvr>
-  <p:transition>
-    <p:fade/>
-  </p:transition>
-  <p:timing>
-    <p:tnLst>
-      <p:par>
-        <p:cTn id="1" dur="indefinite" restart="never" nodeType="tmRoot"/>
-      </p:par>
-    </p:tnLst>
-  </p:timing>
 </p:sld>
 </file>
 
@@ -4110,7 +4078,14 @@
                 <a:latin typeface="Times New Roman" panose="02020603050405020304" pitchFamily="18" charset="0"/>
                 <a:cs typeface="Times New Roman" panose="02020603050405020304" pitchFamily="18" charset="0"/>
               </a:rPr>
-              <a:t>Структура проекта. База данных</a:t>
+              <a:t>Структура </a:t>
+            </a:r>
+            <a:r>
+              <a:rPr lang="ru-RU" dirty="0" smtClean="0">
+                <a:latin typeface="Times New Roman" panose="02020603050405020304" pitchFamily="18" charset="0"/>
+                <a:cs typeface="Times New Roman" panose="02020603050405020304" pitchFamily="18" charset="0"/>
+              </a:rPr>
+              <a:t>проекта. База данных</a:t>
             </a:r>
             <a:endParaRPr lang="ru-RU" dirty="0">
               <a:latin typeface="Times New Roman" panose="02020603050405020304" pitchFamily="18" charset="0"/>
@@ -4716,23 +4691,13 @@
     </p:spTree>
     <p:extLst>
       <p:ext uri="{BB962C8B-B14F-4D97-AF65-F5344CB8AC3E}">
-        <p14:creationId xmlns:p14="http://schemas.microsoft.com/office/powerpoint/2010/main" xmlns="" val="3267902238"/>
+        <p14:creationId xmlns:p14="http://schemas.microsoft.com/office/powerpoint/2010/main" val="3267902238"/>
       </p:ext>
     </p:extLst>
   </p:cSld>
   <p:clrMapOvr>
     <a:masterClrMapping/>
   </p:clrMapOvr>
-  <p:transition>
-    <p:fade/>
-  </p:transition>
-  <p:timing>
-    <p:tnLst>
-      <p:par>
-        <p:cTn id="1" dur="indefinite" restart="never" nodeType="tmRoot"/>
-      </p:par>
-    </p:tnLst>
-  </p:timing>
 </p:sld>
 </file>
 
@@ -4773,14 +4738,28 @@
                 <a:latin typeface="Times New Roman" panose="02020603050405020304" pitchFamily="18" charset="0"/>
                 <a:cs typeface="Times New Roman" panose="02020603050405020304" pitchFamily="18" charset="0"/>
               </a:rPr>
-              <a:t>Структура проекта. </a:t>
+              <a:t>Структура </a:t>
+            </a:r>
+            <a:r>
+              <a:rPr lang="ru-RU" dirty="0" smtClean="0">
+                <a:latin typeface="Times New Roman" panose="02020603050405020304" pitchFamily="18" charset="0"/>
+                <a:cs typeface="Times New Roman" panose="02020603050405020304" pitchFamily="18" charset="0"/>
+              </a:rPr>
+              <a:t>проекта. </a:t>
             </a:r>
             <a:r>
               <a:rPr lang="en-US" dirty="0" smtClean="0">
                 <a:latin typeface="Times New Roman" panose="02020603050405020304" pitchFamily="18" charset="0"/>
                 <a:cs typeface="Times New Roman" panose="02020603050405020304" pitchFamily="18" charset="0"/>
               </a:rPr>
-              <a:t>tetropentada.py</a:t>
+              <a:t>t</a:t>
+            </a:r>
+            <a:r>
+              <a:rPr lang="en-US" dirty="0" smtClean="0">
+                <a:latin typeface="Times New Roman" panose="02020603050405020304" pitchFamily="18" charset="0"/>
+                <a:cs typeface="Times New Roman" panose="02020603050405020304" pitchFamily="18" charset="0"/>
+              </a:rPr>
+              <a:t>etropentada.py</a:t>
             </a:r>
             <a:endParaRPr lang="ru-RU" dirty="0">
               <a:latin typeface="Times New Roman" panose="02020603050405020304" pitchFamily="18" charset="0"/>
@@ -5174,23 +5153,13 @@
     </p:spTree>
     <p:extLst>
       <p:ext uri="{BB962C8B-B14F-4D97-AF65-F5344CB8AC3E}">
-        <p14:creationId xmlns:p14="http://schemas.microsoft.com/office/powerpoint/2010/main" xmlns="" val="2542619655"/>
+        <p14:creationId xmlns:p14="http://schemas.microsoft.com/office/powerpoint/2010/main" val="2542619655"/>
       </p:ext>
     </p:extLst>
   </p:cSld>
   <p:clrMapOvr>
     <a:masterClrMapping/>
   </p:clrMapOvr>
-  <p:transition>
-    <p:fade/>
-  </p:transition>
-  <p:timing>
-    <p:tnLst>
-      <p:par>
-        <p:cTn id="1" dur="indefinite" restart="never" nodeType="tmRoot"/>
-      </p:par>
-    </p:tnLst>
-  </p:timing>
 </p:sld>
 </file>
 
@@ -5634,23 +5603,13 @@
     </p:spTree>
     <p:extLst>
       <p:ext uri="{BB962C8B-B14F-4D97-AF65-F5344CB8AC3E}">
-        <p14:creationId xmlns:p14="http://schemas.microsoft.com/office/powerpoint/2010/main" xmlns="" val="2848695530"/>
+        <p14:creationId xmlns:p14="http://schemas.microsoft.com/office/powerpoint/2010/main" val="2848695530"/>
       </p:ext>
     </p:extLst>
   </p:cSld>
   <p:clrMapOvr>
     <a:masterClrMapping/>
   </p:clrMapOvr>
-  <p:transition>
-    <p:fade/>
-  </p:transition>
-  <p:timing>
-    <p:tnLst>
-      <p:par>
-        <p:cTn id="1" dur="indefinite" restart="never" nodeType="tmRoot"/>
-      </p:par>
-    </p:tnLst>
-  </p:timing>
 </p:sld>
 </file>
 
@@ -5697,7 +5656,7 @@
     </a:clrScheme>
     <a:fontScheme name="Стандартная">
       <a:majorFont>
-        <a:latin typeface="Calibri Light"/>
+        <a:latin typeface="Calibri Light" panose="020F0302020204030204"/>
         <a:ea typeface=""/>
         <a:cs typeface=""/>
         <a:font script="Jpan" typeface="游ゴシック Light"/>
@@ -5732,7 +5691,7 @@
         <a:font script="Geor" typeface="Sylfaen"/>
       </a:majorFont>
       <a:minorFont>
-        <a:latin typeface="Calibri"/>
+        <a:latin typeface="Calibri" panose="020F0502020204030204"/>
         <a:ea typeface=""/>
         <a:cs typeface=""/>
         <a:font script="Jpan" typeface="游ゴシック"/>
@@ -5909,7 +5868,7 @@
   <a:extraClrSchemeLst/>
   <a:extLst>
     <a:ext uri="{05A4C25C-085E-4340-85A3-A5531E510DB2}">
-      <thm15:themeFamily xmlns:thm15="http://schemas.microsoft.com/office/thememl/2012/main" xmlns="" name="Office Theme" id="{62F939B6-93AF-4DB8-9C6B-D6C7DFDC589F}" vid="{4A3C46E8-61CC-4603-A589-7422A47A8E4A}"/>
+      <thm15:themeFamily xmlns:thm15="http://schemas.microsoft.com/office/thememl/2012/main" name="Office Theme" id="{62F939B6-93AF-4DB8-9C6B-D6C7DFDC589F}" vid="{4A3C46E8-61CC-4603-A589-7422A47A8E4A}"/>
     </a:ext>
   </a:extLst>
 </a:theme>

--- a/Tetropentada.pptx
+++ b/Tetropentada.pptx
@@ -12,6 +12,7 @@
     <p:sldId id="261" r:id="rId6"/>
     <p:sldId id="262" r:id="rId7"/>
     <p:sldId id="263" r:id="rId8"/>
+    <p:sldId id="264" r:id="rId9"/>
   </p:sldIdLst>
   <p:sldSz cx="12192000" cy="6858000"/>
   <p:notesSz cx="6858000" cy="9144000"/>
@@ -249,7 +250,7 @@
           <a:p>
             <a:fld id="{BF174B51-6289-4E04-8C27-63020DE3F072}" type="datetimeFigureOut">
               <a:rPr lang="ru-RU" smtClean="0"/>
-              <a:t>09.04.2019</a:t>
+              <a:t>10.04.2019</a:t>
             </a:fld>
             <a:endParaRPr lang="ru-RU"/>
           </a:p>
@@ -419,7 +420,7 @@
           <a:p>
             <a:fld id="{BF174B51-6289-4E04-8C27-63020DE3F072}" type="datetimeFigureOut">
               <a:rPr lang="ru-RU" smtClean="0"/>
-              <a:t>09.04.2019</a:t>
+              <a:t>10.04.2019</a:t>
             </a:fld>
             <a:endParaRPr lang="ru-RU"/>
           </a:p>
@@ -599,7 +600,7 @@
           <a:p>
             <a:fld id="{BF174B51-6289-4E04-8C27-63020DE3F072}" type="datetimeFigureOut">
               <a:rPr lang="ru-RU" smtClean="0"/>
-              <a:t>09.04.2019</a:t>
+              <a:t>10.04.2019</a:t>
             </a:fld>
             <a:endParaRPr lang="ru-RU"/>
           </a:p>
@@ -769,7 +770,7 @@
           <a:p>
             <a:fld id="{BF174B51-6289-4E04-8C27-63020DE3F072}" type="datetimeFigureOut">
               <a:rPr lang="ru-RU" smtClean="0"/>
-              <a:t>09.04.2019</a:t>
+              <a:t>10.04.2019</a:t>
             </a:fld>
             <a:endParaRPr lang="ru-RU"/>
           </a:p>
@@ -1015,7 +1016,7 @@
           <a:p>
             <a:fld id="{BF174B51-6289-4E04-8C27-63020DE3F072}" type="datetimeFigureOut">
               <a:rPr lang="ru-RU" smtClean="0"/>
-              <a:t>09.04.2019</a:t>
+              <a:t>10.04.2019</a:t>
             </a:fld>
             <a:endParaRPr lang="ru-RU"/>
           </a:p>
@@ -1247,7 +1248,7 @@
           <a:p>
             <a:fld id="{BF174B51-6289-4E04-8C27-63020DE3F072}" type="datetimeFigureOut">
               <a:rPr lang="ru-RU" smtClean="0"/>
-              <a:t>09.04.2019</a:t>
+              <a:t>10.04.2019</a:t>
             </a:fld>
             <a:endParaRPr lang="ru-RU"/>
           </a:p>
@@ -1614,7 +1615,7 @@
           <a:p>
             <a:fld id="{BF174B51-6289-4E04-8C27-63020DE3F072}" type="datetimeFigureOut">
               <a:rPr lang="ru-RU" smtClean="0"/>
-              <a:t>09.04.2019</a:t>
+              <a:t>10.04.2019</a:t>
             </a:fld>
             <a:endParaRPr lang="ru-RU"/>
           </a:p>
@@ -1732,7 +1733,7 @@
           <a:p>
             <a:fld id="{BF174B51-6289-4E04-8C27-63020DE3F072}" type="datetimeFigureOut">
               <a:rPr lang="ru-RU" smtClean="0"/>
-              <a:t>09.04.2019</a:t>
+              <a:t>10.04.2019</a:t>
             </a:fld>
             <a:endParaRPr lang="ru-RU"/>
           </a:p>
@@ -1827,7 +1828,7 @@
           <a:p>
             <a:fld id="{BF174B51-6289-4E04-8C27-63020DE3F072}" type="datetimeFigureOut">
               <a:rPr lang="ru-RU" smtClean="0"/>
-              <a:t>09.04.2019</a:t>
+              <a:t>10.04.2019</a:t>
             </a:fld>
             <a:endParaRPr lang="ru-RU"/>
           </a:p>
@@ -2104,7 +2105,7 @@
           <a:p>
             <a:fld id="{BF174B51-6289-4E04-8C27-63020DE3F072}" type="datetimeFigureOut">
               <a:rPr lang="ru-RU" smtClean="0"/>
-              <a:t>09.04.2019</a:t>
+              <a:t>10.04.2019</a:t>
             </a:fld>
             <a:endParaRPr lang="ru-RU"/>
           </a:p>
@@ -2357,7 +2358,7 @@
           <a:p>
             <a:fld id="{BF174B51-6289-4E04-8C27-63020DE3F072}" type="datetimeFigureOut">
               <a:rPr lang="ru-RU" smtClean="0"/>
-              <a:t>09.04.2019</a:t>
+              <a:t>10.04.2019</a:t>
             </a:fld>
             <a:endParaRPr lang="ru-RU"/>
           </a:p>
@@ -2570,7 +2571,7 @@
           <a:p>
             <a:fld id="{BF174B51-6289-4E04-8C27-63020DE3F072}" type="datetimeFigureOut">
               <a:rPr lang="ru-RU" smtClean="0"/>
-              <a:t>09.04.2019</a:t>
+              <a:t>10.04.2019</a:t>
             </a:fld>
             <a:endParaRPr lang="ru-RU"/>
           </a:p>
@@ -3054,14 +3055,7 @@
                 <a:latin typeface="Times New Roman" panose="02020603050405020304" pitchFamily="18" charset="0"/>
                 <a:cs typeface="Times New Roman" panose="02020603050405020304" pitchFamily="18" charset="0"/>
               </a:rPr>
-              <a:t>Структура </a:t>
-            </a:r>
-            <a:r>
-              <a:rPr lang="ru-RU" dirty="0" smtClean="0">
-                <a:latin typeface="Times New Roman" panose="02020603050405020304" pitchFamily="18" charset="0"/>
-                <a:cs typeface="Times New Roman" panose="02020603050405020304" pitchFamily="18" charset="0"/>
-              </a:rPr>
-              <a:t>проекта. Статистический контент</a:t>
+              <a:t>Структура проекта. Статистический контент</a:t>
             </a:r>
             <a:endParaRPr lang="ru-RU" dirty="0">
               <a:latin typeface="Times New Roman" panose="02020603050405020304" pitchFamily="18" charset="0"/>
@@ -3460,14 +3454,7 @@
                 <a:latin typeface="Times New Roman" panose="02020603050405020304" pitchFamily="18" charset="0"/>
                 <a:cs typeface="Times New Roman" panose="02020603050405020304" pitchFamily="18" charset="0"/>
               </a:rPr>
-              <a:t>Структура </a:t>
-            </a:r>
-            <a:r>
-              <a:rPr lang="ru-RU" dirty="0" smtClean="0">
-                <a:latin typeface="Times New Roman" panose="02020603050405020304" pitchFamily="18" charset="0"/>
-                <a:cs typeface="Times New Roman" panose="02020603050405020304" pitchFamily="18" charset="0"/>
-              </a:rPr>
-              <a:t>проекта</a:t>
+              <a:t>Структура проекта</a:t>
             </a:r>
             <a:r>
               <a:rPr lang="en-US" dirty="0" smtClean="0">
@@ -3633,19 +3620,8 @@
                 <a:latin typeface="Times New Roman" panose="02020603050405020304" pitchFamily="18" charset="0"/>
                 <a:cs typeface="Times New Roman" panose="02020603050405020304" pitchFamily="18" charset="0"/>
               </a:rPr>
-              <a:t> – </a:t>
-            </a:r>
-            <a:r>
-              <a:rPr lang="ru-RU" dirty="0" smtClean="0">
-                <a:latin typeface="Times New Roman" panose="02020603050405020304" pitchFamily="18" charset="0"/>
-                <a:cs typeface="Times New Roman" panose="02020603050405020304" pitchFamily="18" charset="0"/>
-              </a:rPr>
-              <a:t>шаблон, отвечающий за страницу Вопрос-Ответ</a:t>
-            </a:r>
-            <a:endParaRPr lang="ru-RU" dirty="0" smtClean="0">
-              <a:latin typeface="Times New Roman" panose="02020603050405020304" pitchFamily="18" charset="0"/>
-              <a:cs typeface="Times New Roman" panose="02020603050405020304" pitchFamily="18" charset="0"/>
-            </a:endParaRPr>
+              <a:t> – шаблон, отвечающий за страницу Вопрос-Ответ</a:t>
+            </a:r>
           </a:p>
           <a:p>
             <a:pPr lvl="1"/>
@@ -3853,14 +3829,7 @@
                 <a:latin typeface="Times New Roman" panose="02020603050405020304" pitchFamily="18" charset="0"/>
                 <a:cs typeface="Times New Roman" panose="02020603050405020304" pitchFamily="18" charset="0"/>
               </a:rPr>
-              <a:t>Структура </a:t>
-            </a:r>
-            <a:r>
-              <a:rPr lang="ru-RU" dirty="0" smtClean="0">
-                <a:latin typeface="Times New Roman" panose="02020603050405020304" pitchFamily="18" charset="0"/>
-                <a:cs typeface="Times New Roman" panose="02020603050405020304" pitchFamily="18" charset="0"/>
-              </a:rPr>
-              <a:t>проекта. </a:t>
+              <a:t>Структура проекта. </a:t>
             </a:r>
             <a:r>
               <a:rPr lang="en-US" dirty="0" smtClean="0">
@@ -4078,14 +4047,7 @@
                 <a:latin typeface="Times New Roman" panose="02020603050405020304" pitchFamily="18" charset="0"/>
                 <a:cs typeface="Times New Roman" panose="02020603050405020304" pitchFamily="18" charset="0"/>
               </a:rPr>
-              <a:t>Структура </a:t>
-            </a:r>
-            <a:r>
-              <a:rPr lang="ru-RU" dirty="0" smtClean="0">
-                <a:latin typeface="Times New Roman" panose="02020603050405020304" pitchFamily="18" charset="0"/>
-                <a:cs typeface="Times New Roman" panose="02020603050405020304" pitchFamily="18" charset="0"/>
-              </a:rPr>
-              <a:t>проекта. База данных</a:t>
+              <a:t>Структура проекта. База данных</a:t>
             </a:r>
             <a:endParaRPr lang="ru-RU" dirty="0">
               <a:latin typeface="Times New Roman" panose="02020603050405020304" pitchFamily="18" charset="0"/>
@@ -4728,7 +4690,30 @@
             <p:ph type="title"/>
           </p:nvPr>
         </p:nvSpPr>
-        <p:spPr/>
+        <p:spPr>
+          <a:xfrm>
+            <a:off x="838200" y="172012"/>
+            <a:ext cx="10515600" cy="1325563"/>
+          </a:xfrm>
+          <a:noFill/>
+          <a:ln>
+            <a:noFill/>
+          </a:ln>
+        </p:spPr>
+        <p:style>
+          <a:lnRef idx="0">
+            <a:scrgbClr r="0" g="0" b="0"/>
+          </a:lnRef>
+          <a:fillRef idx="0">
+            <a:scrgbClr r="0" g="0" b="0"/>
+          </a:fillRef>
+          <a:effectRef idx="0">
+            <a:scrgbClr r="0" g="0" b="0"/>
+          </a:effectRef>
+          <a:fontRef idx="minor">
+            <a:schemeClr val="dk1"/>
+          </a:fontRef>
+        </p:style>
         <p:txBody>
           <a:bodyPr/>
           <a:lstStyle/>
@@ -4738,28 +4723,14 @@
                 <a:latin typeface="Times New Roman" panose="02020603050405020304" pitchFamily="18" charset="0"/>
                 <a:cs typeface="Times New Roman" panose="02020603050405020304" pitchFamily="18" charset="0"/>
               </a:rPr>
-              <a:t>Структура </a:t>
-            </a:r>
-            <a:r>
-              <a:rPr lang="ru-RU" dirty="0" smtClean="0">
-                <a:latin typeface="Times New Roman" panose="02020603050405020304" pitchFamily="18" charset="0"/>
-                <a:cs typeface="Times New Roman" panose="02020603050405020304" pitchFamily="18" charset="0"/>
-              </a:rPr>
-              <a:t>проекта. </a:t>
+              <a:t>Структура проекта. </a:t>
             </a:r>
             <a:r>
               <a:rPr lang="en-US" dirty="0" smtClean="0">
                 <a:latin typeface="Times New Roman" panose="02020603050405020304" pitchFamily="18" charset="0"/>
                 <a:cs typeface="Times New Roman" panose="02020603050405020304" pitchFamily="18" charset="0"/>
               </a:rPr>
-              <a:t>t</a:t>
-            </a:r>
-            <a:r>
-              <a:rPr lang="en-US" dirty="0" smtClean="0">
-                <a:latin typeface="Times New Roman" panose="02020603050405020304" pitchFamily="18" charset="0"/>
-                <a:cs typeface="Times New Roman" panose="02020603050405020304" pitchFamily="18" charset="0"/>
-              </a:rPr>
-              <a:t>etropentada.py</a:t>
+              <a:t>tetropentada.py</a:t>
             </a:r>
             <a:endParaRPr lang="ru-RU" dirty="0">
               <a:latin typeface="Times New Roman" panose="02020603050405020304" pitchFamily="18" charset="0"/>
@@ -4785,18 +4756,16 @@
         </p:spPr>
         <p:style>
           <a:lnRef idx="2">
-            <a:schemeClr val="accent1">
-              <a:shade val="50000"/>
-            </a:schemeClr>
+            <a:schemeClr val="dk1"/>
           </a:lnRef>
           <a:fillRef idx="1">
-            <a:schemeClr val="accent1"/>
+            <a:schemeClr val="lt1"/>
           </a:fillRef>
           <a:effectRef idx="0">
-            <a:schemeClr val="accent1"/>
+            <a:schemeClr val="dk1"/>
           </a:effectRef>
           <a:fontRef idx="minor">
-            <a:schemeClr val="lt1"/>
+            <a:schemeClr val="dk1"/>
           </a:fontRef>
         </p:style>
         <p:txBody>
@@ -4873,18 +4842,16 @@
         </p:spPr>
         <p:style>
           <a:lnRef idx="2">
-            <a:schemeClr val="accent1">
-              <a:shade val="50000"/>
-            </a:schemeClr>
+            <a:schemeClr val="dk1"/>
           </a:lnRef>
           <a:fillRef idx="1">
-            <a:schemeClr val="accent1"/>
+            <a:schemeClr val="lt1"/>
           </a:fillRef>
           <a:effectRef idx="0">
-            <a:schemeClr val="accent1"/>
+            <a:schemeClr val="dk1"/>
           </a:effectRef>
           <a:fontRef idx="minor">
-            <a:schemeClr val="lt1"/>
+            <a:schemeClr val="dk1"/>
           </a:fontRef>
         </p:style>
         <p:txBody>
@@ -5045,18 +5012,16 @@
         </p:spPr>
         <p:style>
           <a:lnRef idx="2">
-            <a:schemeClr val="accent1">
-              <a:shade val="50000"/>
-            </a:schemeClr>
+            <a:schemeClr val="dk1"/>
           </a:lnRef>
           <a:fillRef idx="1">
-            <a:schemeClr val="accent1"/>
+            <a:schemeClr val="lt1"/>
           </a:fillRef>
           <a:effectRef idx="0">
-            <a:schemeClr val="accent1"/>
+            <a:schemeClr val="dk1"/>
           </a:effectRef>
           <a:fontRef idx="minor">
-            <a:schemeClr val="lt1"/>
+            <a:schemeClr val="dk1"/>
           </a:fontRef>
         </p:style>
         <p:txBody>
@@ -5100,17 +5065,17 @@
           </a:ln>
         </p:spPr>
         <p:style>
-          <a:lnRef idx="1">
-            <a:schemeClr val="accent1"/>
+          <a:lnRef idx="2">
+            <a:schemeClr val="dk1"/>
           </a:lnRef>
-          <a:fillRef idx="0">
-            <a:schemeClr val="accent1"/>
+          <a:fillRef idx="1">
+            <a:schemeClr val="lt1"/>
           </a:fillRef>
           <a:effectRef idx="0">
-            <a:schemeClr val="accent1"/>
+            <a:schemeClr val="dk1"/>
           </a:effectRef>
           <a:fontRef idx="minor">
-            <a:schemeClr val="tx1"/>
+            <a:schemeClr val="dk1"/>
           </a:fontRef>
         </p:style>
       </p:cxnSp>
@@ -5136,17 +5101,17 @@
           </a:ln>
         </p:spPr>
         <p:style>
-          <a:lnRef idx="1">
-            <a:schemeClr val="accent1"/>
+          <a:lnRef idx="2">
+            <a:schemeClr val="dk1"/>
           </a:lnRef>
-          <a:fillRef idx="0">
-            <a:schemeClr val="accent1"/>
+          <a:fillRef idx="1">
+            <a:schemeClr val="lt1"/>
           </a:fillRef>
           <a:effectRef idx="0">
-            <a:schemeClr val="accent1"/>
+            <a:schemeClr val="dk1"/>
           </a:effectRef>
           <a:fontRef idx="minor">
-            <a:schemeClr val="tx1"/>
+            <a:schemeClr val="dk1"/>
           </a:fontRef>
         </p:style>
       </p:cxnSp>
@@ -5604,6 +5569,192 @@
     <p:extLst>
       <p:ext uri="{BB962C8B-B14F-4D97-AF65-F5344CB8AC3E}">
         <p14:creationId xmlns:p14="http://schemas.microsoft.com/office/powerpoint/2010/main" val="2848695530"/>
+      </p:ext>
+    </p:extLst>
+  </p:cSld>
+  <p:clrMapOvr>
+    <a:masterClrMapping/>
+  </p:clrMapOvr>
+</p:sld>
+</file>
+
+<file path=ppt/slides/slide8.xml><?xml version="1.0" encoding="utf-8"?>
+<p:sld xmlns:a="http://schemas.openxmlformats.org/drawingml/2006/main" xmlns:r="http://schemas.openxmlformats.org/officeDocument/2006/relationships" xmlns:p="http://schemas.openxmlformats.org/presentationml/2006/main">
+  <p:cSld>
+    <p:spTree>
+      <p:nvGrpSpPr>
+        <p:cNvPr id="1" name=""/>
+        <p:cNvGrpSpPr/>
+        <p:nvPr/>
+      </p:nvGrpSpPr>
+      <p:grpSpPr>
+        <a:xfrm>
+          <a:off x="0" y="0"/>
+          <a:ext cx="0" cy="0"/>
+          <a:chOff x="0" y="0"/>
+          <a:chExt cx="0" cy="0"/>
+        </a:xfrm>
+      </p:grpSpPr>
+      <p:sp>
+        <p:nvSpPr>
+          <p:cNvPr id="2" name="Заголовок 1"/>
+          <p:cNvSpPr>
+            <a:spLocks noGrp="1"/>
+          </p:cNvSpPr>
+          <p:nvPr>
+            <p:ph type="title"/>
+          </p:nvPr>
+        </p:nvSpPr>
+        <p:spPr/>
+        <p:txBody>
+          <a:bodyPr/>
+          <a:lstStyle/>
+          <a:p>
+            <a:r>
+              <a:rPr lang="ru-RU" dirty="0" smtClean="0">
+                <a:latin typeface="Times New Roman" panose="02020603050405020304" pitchFamily="18" charset="0"/>
+                <a:cs typeface="Times New Roman" panose="02020603050405020304" pitchFamily="18" charset="0"/>
+              </a:rPr>
+              <a:t>Практическое применение. Вывод</a:t>
+            </a:r>
+            <a:endParaRPr lang="ru-RU" dirty="0">
+              <a:latin typeface="Times New Roman" panose="02020603050405020304" pitchFamily="18" charset="0"/>
+              <a:cs typeface="Times New Roman" panose="02020603050405020304" pitchFamily="18" charset="0"/>
+            </a:endParaRPr>
+          </a:p>
+        </p:txBody>
+      </p:sp>
+      <p:sp>
+        <p:nvSpPr>
+          <p:cNvPr id="3" name="Объект 2"/>
+          <p:cNvSpPr>
+            <a:spLocks noGrp="1"/>
+          </p:cNvSpPr>
+          <p:nvPr>
+            <p:ph idx="1"/>
+          </p:nvPr>
+        </p:nvSpPr>
+        <p:spPr/>
+        <p:txBody>
+          <a:bodyPr>
+            <a:normAutofit fontScale="92500" lnSpcReduction="10000"/>
+          </a:bodyPr>
+          <a:lstStyle/>
+          <a:p>
+            <a:r>
+              <a:rPr lang="ru-RU" dirty="0" smtClean="0">
+                <a:latin typeface="Times New Roman" panose="02020603050405020304" pitchFamily="18" charset="0"/>
+                <a:cs typeface="Times New Roman" panose="02020603050405020304" pitchFamily="18" charset="0"/>
+              </a:rPr>
+              <a:t>На данный момент, у нас реализован сайт, позволяющий получать новую информацию посредством вопроса-ответа, т.е. один человек задает вопрос, другой отвечает на него.</a:t>
+            </a:r>
+          </a:p>
+          <a:p>
+            <a:r>
+              <a:rPr lang="ru-RU" dirty="0" smtClean="0">
+                <a:latin typeface="Times New Roman" panose="02020603050405020304" pitchFamily="18" charset="0"/>
+                <a:cs typeface="Times New Roman" panose="02020603050405020304" pitchFamily="18" charset="0"/>
+              </a:rPr>
+              <a:t>С помощью поиска, реализованного на сайте, вы сможете, получить ответ искомый вопрос, если он существует или создать новый вопрос.</a:t>
+            </a:r>
+          </a:p>
+          <a:p>
+            <a:r>
+              <a:rPr lang="ru-RU" dirty="0" smtClean="0">
+                <a:latin typeface="Times New Roman" panose="02020603050405020304" pitchFamily="18" charset="0"/>
+                <a:cs typeface="Times New Roman" panose="02020603050405020304" pitchFamily="18" charset="0"/>
+              </a:rPr>
+              <a:t>С помощью сортировки вы можете найти вопросы по интересующей вас области. А также с помощью умной сортировки (</a:t>
+            </a:r>
+            <a:r>
+              <a:rPr lang="en-US" dirty="0" smtClean="0">
+                <a:latin typeface="Times New Roman" panose="02020603050405020304" pitchFamily="18" charset="0"/>
+                <a:cs typeface="Times New Roman" panose="02020603050405020304" pitchFamily="18" charset="0"/>
+              </a:rPr>
+              <a:t>LSA</a:t>
+            </a:r>
+            <a:r>
+              <a:rPr lang="ru-RU" dirty="0" smtClean="0">
+                <a:latin typeface="Times New Roman" panose="02020603050405020304" pitchFamily="18" charset="0"/>
+                <a:cs typeface="Times New Roman" panose="02020603050405020304" pitchFamily="18" charset="0"/>
+              </a:rPr>
+              <a:t>) отсортировать вопросы по вашему поиску.</a:t>
+            </a:r>
+          </a:p>
+          <a:p>
+            <a:r>
+              <a:rPr lang="ru-RU" dirty="0" smtClean="0">
+                <a:latin typeface="Times New Roman" panose="02020603050405020304" pitchFamily="18" charset="0"/>
+                <a:cs typeface="Times New Roman" panose="02020603050405020304" pitchFamily="18" charset="0"/>
+              </a:rPr>
+              <a:t>Также вы можете</a:t>
+            </a:r>
+            <a:r>
+              <a:rPr lang="en-US" dirty="0" smtClean="0">
+                <a:latin typeface="Times New Roman" panose="02020603050405020304" pitchFamily="18" charset="0"/>
+                <a:cs typeface="Times New Roman" panose="02020603050405020304" pitchFamily="18" charset="0"/>
+              </a:rPr>
+              <a:t>:</a:t>
+            </a:r>
+            <a:endParaRPr lang="ru-RU" dirty="0">
+              <a:latin typeface="Times New Roman" panose="02020603050405020304" pitchFamily="18" charset="0"/>
+              <a:cs typeface="Times New Roman" panose="02020603050405020304" pitchFamily="18" charset="0"/>
+            </a:endParaRPr>
+          </a:p>
+          <a:p>
+            <a:pPr lvl="1"/>
+            <a:r>
+              <a:rPr lang="ru-RU" dirty="0">
+                <a:latin typeface="Times New Roman" panose="02020603050405020304" pitchFamily="18" charset="0"/>
+                <a:cs typeface="Times New Roman" panose="02020603050405020304" pitchFamily="18" charset="0"/>
+              </a:rPr>
+              <a:t>Зарегистрироваться и войти в </a:t>
+            </a:r>
+            <a:r>
+              <a:rPr lang="ru-RU" dirty="0" smtClean="0">
+                <a:latin typeface="Times New Roman" panose="02020603050405020304" pitchFamily="18" charset="0"/>
+                <a:cs typeface="Times New Roman" panose="02020603050405020304" pitchFamily="18" charset="0"/>
+              </a:rPr>
+              <a:t>систему</a:t>
+            </a:r>
+            <a:endParaRPr lang="en-US" dirty="0" smtClean="0">
+              <a:latin typeface="Times New Roman" panose="02020603050405020304" pitchFamily="18" charset="0"/>
+              <a:cs typeface="Times New Roman" panose="02020603050405020304" pitchFamily="18" charset="0"/>
+            </a:endParaRPr>
+          </a:p>
+          <a:p>
+            <a:pPr lvl="1"/>
+            <a:r>
+              <a:rPr lang="ru-RU" dirty="0" smtClean="0">
+                <a:latin typeface="Times New Roman" panose="02020603050405020304" pitchFamily="18" charset="0"/>
+                <a:cs typeface="Times New Roman" panose="02020603050405020304" pitchFamily="18" charset="0"/>
+              </a:rPr>
+              <a:t>Получить информацию о пользователе задавшего или ответившего на вопрос</a:t>
+            </a:r>
+          </a:p>
+          <a:p>
+            <a:pPr lvl="1"/>
+            <a:r>
+              <a:rPr lang="ru-RU" dirty="0" smtClean="0">
+                <a:latin typeface="Times New Roman" panose="02020603050405020304" pitchFamily="18" charset="0"/>
+                <a:cs typeface="Times New Roman" panose="02020603050405020304" pitchFamily="18" charset="0"/>
+              </a:rPr>
+              <a:t>Редактировать свой профиль</a:t>
+            </a:r>
+          </a:p>
+          <a:p>
+            <a:pPr lvl="1"/>
+            <a:endParaRPr lang="ru-RU" dirty="0" smtClean="0">
+              <a:latin typeface="Times New Roman" panose="02020603050405020304" pitchFamily="18" charset="0"/>
+              <a:cs typeface="Times New Roman" panose="02020603050405020304" pitchFamily="18" charset="0"/>
+            </a:endParaRPr>
+          </a:p>
+        </p:txBody>
+      </p:sp>
+    </p:spTree>
+    <p:extLst>
+      <p:ext uri="{BB962C8B-B14F-4D97-AF65-F5344CB8AC3E}">
+        <p14:creationId xmlns:p14="http://schemas.microsoft.com/office/powerpoint/2010/main" val="3293915353"/>
       </p:ext>
     </p:extLst>
   </p:cSld>

--- a/Tetropentada.pptx
+++ b/Tetropentada.pptx
@@ -12,6 +12,7 @@
     <p:sldId id="261" r:id="rId6"/>
     <p:sldId id="262" r:id="rId7"/>
     <p:sldId id="263" r:id="rId8"/>
+    <p:sldId id="264" r:id="rId9"/>
   </p:sldIdLst>
   <p:sldSz cx="12192000" cy="6858000"/>
   <p:notesSz cx="6858000" cy="9144000"/>
@@ -249,7 +250,7 @@
           <a:p>
             <a:fld id="{BF174B51-6289-4E04-8C27-63020DE3F072}" type="datetimeFigureOut">
               <a:rPr lang="ru-RU" smtClean="0"/>
-              <a:t>09.04.2019</a:t>
+              <a:t>10.04.2019</a:t>
             </a:fld>
             <a:endParaRPr lang="ru-RU"/>
           </a:p>
@@ -419,7 +420,7 @@
           <a:p>
             <a:fld id="{BF174B51-6289-4E04-8C27-63020DE3F072}" type="datetimeFigureOut">
               <a:rPr lang="ru-RU" smtClean="0"/>
-              <a:t>09.04.2019</a:t>
+              <a:t>10.04.2019</a:t>
             </a:fld>
             <a:endParaRPr lang="ru-RU"/>
           </a:p>
@@ -599,7 +600,7 @@
           <a:p>
             <a:fld id="{BF174B51-6289-4E04-8C27-63020DE3F072}" type="datetimeFigureOut">
               <a:rPr lang="ru-RU" smtClean="0"/>
-              <a:t>09.04.2019</a:t>
+              <a:t>10.04.2019</a:t>
             </a:fld>
             <a:endParaRPr lang="ru-RU"/>
           </a:p>
@@ -769,7 +770,7 @@
           <a:p>
             <a:fld id="{BF174B51-6289-4E04-8C27-63020DE3F072}" type="datetimeFigureOut">
               <a:rPr lang="ru-RU" smtClean="0"/>
-              <a:t>09.04.2019</a:t>
+              <a:t>10.04.2019</a:t>
             </a:fld>
             <a:endParaRPr lang="ru-RU"/>
           </a:p>
@@ -1015,7 +1016,7 @@
           <a:p>
             <a:fld id="{BF174B51-6289-4E04-8C27-63020DE3F072}" type="datetimeFigureOut">
               <a:rPr lang="ru-RU" smtClean="0"/>
-              <a:t>09.04.2019</a:t>
+              <a:t>10.04.2019</a:t>
             </a:fld>
             <a:endParaRPr lang="ru-RU"/>
           </a:p>
@@ -1247,7 +1248,7 @@
           <a:p>
             <a:fld id="{BF174B51-6289-4E04-8C27-63020DE3F072}" type="datetimeFigureOut">
               <a:rPr lang="ru-RU" smtClean="0"/>
-              <a:t>09.04.2019</a:t>
+              <a:t>10.04.2019</a:t>
             </a:fld>
             <a:endParaRPr lang="ru-RU"/>
           </a:p>
@@ -1614,7 +1615,7 @@
           <a:p>
             <a:fld id="{BF174B51-6289-4E04-8C27-63020DE3F072}" type="datetimeFigureOut">
               <a:rPr lang="ru-RU" smtClean="0"/>
-              <a:t>09.04.2019</a:t>
+              <a:t>10.04.2019</a:t>
             </a:fld>
             <a:endParaRPr lang="ru-RU"/>
           </a:p>
@@ -1732,7 +1733,7 @@
           <a:p>
             <a:fld id="{BF174B51-6289-4E04-8C27-63020DE3F072}" type="datetimeFigureOut">
               <a:rPr lang="ru-RU" smtClean="0"/>
-              <a:t>09.04.2019</a:t>
+              <a:t>10.04.2019</a:t>
             </a:fld>
             <a:endParaRPr lang="ru-RU"/>
           </a:p>
@@ -1827,7 +1828,7 @@
           <a:p>
             <a:fld id="{BF174B51-6289-4E04-8C27-63020DE3F072}" type="datetimeFigureOut">
               <a:rPr lang="ru-RU" smtClean="0"/>
-              <a:t>09.04.2019</a:t>
+              <a:t>10.04.2019</a:t>
             </a:fld>
             <a:endParaRPr lang="ru-RU"/>
           </a:p>
@@ -2104,7 +2105,7 @@
           <a:p>
             <a:fld id="{BF174B51-6289-4E04-8C27-63020DE3F072}" type="datetimeFigureOut">
               <a:rPr lang="ru-RU" smtClean="0"/>
-              <a:t>09.04.2019</a:t>
+              <a:t>10.04.2019</a:t>
             </a:fld>
             <a:endParaRPr lang="ru-RU"/>
           </a:p>
@@ -2357,7 +2358,7 @@
           <a:p>
             <a:fld id="{BF174B51-6289-4E04-8C27-63020DE3F072}" type="datetimeFigureOut">
               <a:rPr lang="ru-RU" smtClean="0"/>
-              <a:t>09.04.2019</a:t>
+              <a:t>10.04.2019</a:t>
             </a:fld>
             <a:endParaRPr lang="ru-RU"/>
           </a:p>
@@ -2570,7 +2571,7 @@
           <a:p>
             <a:fld id="{BF174B51-6289-4E04-8C27-63020DE3F072}" type="datetimeFigureOut">
               <a:rPr lang="ru-RU" smtClean="0"/>
-              <a:t>09.04.2019</a:t>
+              <a:t>10.04.2019</a:t>
             </a:fld>
             <a:endParaRPr lang="ru-RU"/>
           </a:p>
@@ -3014,6 +3015,25 @@
   <p:clrMapOvr>
     <a:masterClrMapping/>
   </p:clrMapOvr>
+  <mc:AlternateContent xmlns:mc="http://schemas.openxmlformats.org/markup-compatibility/2006" xmlns:p14="http://schemas.microsoft.com/office/powerpoint/2010/main">
+    <mc:Choice Requires="p14">
+      <p:transition spd="slow" p14:dur="3400">
+        <p14:reveal/>
+      </p:transition>
+    </mc:Choice>
+    <mc:Fallback xmlns="">
+      <p:transition spd="slow">
+        <p:fade/>
+      </p:transition>
+    </mc:Fallback>
+  </mc:AlternateContent>
+  <p:timing>
+    <p:tnLst>
+      <p:par>
+        <p:cTn id="1" dur="indefinite" restart="never" nodeType="tmRoot"/>
+      </p:par>
+    </p:tnLst>
+  </p:timing>
 </p:sld>
 </file>
 
@@ -3054,14 +3074,7 @@
                 <a:latin typeface="Times New Roman" panose="02020603050405020304" pitchFamily="18" charset="0"/>
                 <a:cs typeface="Times New Roman" panose="02020603050405020304" pitchFamily="18" charset="0"/>
               </a:rPr>
-              <a:t>Структура </a:t>
-            </a:r>
-            <a:r>
-              <a:rPr lang="ru-RU" dirty="0" smtClean="0">
-                <a:latin typeface="Times New Roman" panose="02020603050405020304" pitchFamily="18" charset="0"/>
-                <a:cs typeface="Times New Roman" panose="02020603050405020304" pitchFamily="18" charset="0"/>
-              </a:rPr>
-              <a:t>проекта. Статистический контент</a:t>
+              <a:t>Структура проекта. Статистический контент</a:t>
             </a:r>
             <a:endParaRPr lang="ru-RU" dirty="0">
               <a:latin typeface="Times New Roman" panose="02020603050405020304" pitchFamily="18" charset="0"/>
@@ -3087,6 +3100,9 @@
           </a:bodyPr>
           <a:lstStyle/>
           <a:p>
+            <a:pPr marL="0" indent="0" algn="just">
+              <a:buNone/>
+            </a:pPr>
             <a:r>
               <a:rPr lang="ru-RU" dirty="0" smtClean="0">
                 <a:latin typeface="Times New Roman" panose="02020603050405020304" pitchFamily="18" charset="0"/>
@@ -3145,7 +3161,7 @@
             </a:r>
           </a:p>
           <a:p>
-            <a:pPr lvl="1"/>
+            <a:pPr lvl="1" algn="just"/>
             <a:r>
               <a:rPr lang="ru-RU" dirty="0" smtClean="0">
                 <a:latin typeface="Times New Roman" panose="02020603050405020304" pitchFamily="18" charset="0"/>
@@ -3197,7 +3213,7 @@
             </a:r>
           </a:p>
           <a:p>
-            <a:pPr lvl="1"/>
+            <a:pPr lvl="1" algn="just"/>
             <a:r>
               <a:rPr lang="ru-RU" dirty="0" smtClean="0">
                 <a:latin typeface="Times New Roman" panose="02020603050405020304" pitchFamily="18" charset="0"/>
@@ -3260,7 +3276,7 @@
             </a:endParaRPr>
           </a:p>
           <a:p>
-            <a:pPr lvl="1"/>
+            <a:pPr lvl="1" algn="just"/>
             <a:r>
               <a:rPr lang="en-US" dirty="0" smtClean="0">
                 <a:latin typeface="Times New Roman" panose="02020603050405020304" pitchFamily="18" charset="0"/>
@@ -3298,7 +3314,7 @@
             </a:r>
           </a:p>
           <a:p>
-            <a:pPr lvl="1"/>
+            <a:pPr lvl="1" algn="just"/>
             <a:r>
               <a:rPr lang="en-US" dirty="0" smtClean="0">
                 <a:latin typeface="Times New Roman" panose="02020603050405020304" pitchFamily="18" charset="0"/>
@@ -3403,6 +3419,7 @@
             </a:endParaRPr>
           </a:p>
           <a:p>
+            <a:pPr algn="just"/>
             <a:endParaRPr lang="ru-RU" dirty="0">
               <a:latin typeface="Times New Roman" panose="02020603050405020304" pitchFamily="18" charset="0"/>
               <a:cs typeface="Times New Roman" panose="02020603050405020304" pitchFamily="18" charset="0"/>
@@ -3420,6 +3437,25 @@
   <p:clrMapOvr>
     <a:masterClrMapping/>
   </p:clrMapOvr>
+  <mc:AlternateContent xmlns:mc="http://schemas.openxmlformats.org/markup-compatibility/2006" xmlns:p14="http://schemas.microsoft.com/office/powerpoint/2010/main">
+    <mc:Choice Requires="p14">
+      <p:transition spd="slow" p14:dur="3400">
+        <p14:reveal/>
+      </p:transition>
+    </mc:Choice>
+    <mc:Fallback xmlns="">
+      <p:transition spd="slow">
+        <p:fade/>
+      </p:transition>
+    </mc:Fallback>
+  </mc:AlternateContent>
+  <p:timing>
+    <p:tnLst>
+      <p:par>
+        <p:cTn id="1" dur="indefinite" restart="never" nodeType="tmRoot"/>
+      </p:par>
+    </p:tnLst>
+  </p:timing>
 </p:sld>
 </file>
 
@@ -3460,14 +3496,7 @@
                 <a:latin typeface="Times New Roman" panose="02020603050405020304" pitchFamily="18" charset="0"/>
                 <a:cs typeface="Times New Roman" panose="02020603050405020304" pitchFamily="18" charset="0"/>
               </a:rPr>
-              <a:t>Структура </a:t>
-            </a:r>
-            <a:r>
-              <a:rPr lang="ru-RU" dirty="0" smtClean="0">
-                <a:latin typeface="Times New Roman" panose="02020603050405020304" pitchFamily="18" charset="0"/>
-                <a:cs typeface="Times New Roman" panose="02020603050405020304" pitchFamily="18" charset="0"/>
-              </a:rPr>
-              <a:t>проекта</a:t>
+              <a:t>Структура проекта</a:t>
             </a:r>
             <a:r>
               <a:rPr lang="en-US" dirty="0" smtClean="0">
@@ -3507,6 +3536,9 @@
           </a:bodyPr>
           <a:lstStyle/>
           <a:p>
+            <a:pPr marL="0" indent="0" algn="just">
+              <a:buNone/>
+            </a:pPr>
             <a:r>
               <a:rPr lang="ru-RU" dirty="0" smtClean="0">
                 <a:latin typeface="Times New Roman" panose="02020603050405020304" pitchFamily="18" charset="0"/>
@@ -3586,7 +3618,7 @@
             </a:r>
           </a:p>
           <a:p>
-            <a:pPr lvl="1"/>
+            <a:pPr lvl="1" algn="just"/>
             <a:r>
               <a:rPr lang="en-US" dirty="0" smtClean="0">
                 <a:latin typeface="Times New Roman" panose="02020603050405020304" pitchFamily="18" charset="0"/>
@@ -3603,7 +3635,7 @@
             </a:r>
           </a:p>
           <a:p>
-            <a:pPr lvl="1"/>
+            <a:pPr lvl="1" algn="just"/>
             <a:r>
               <a:rPr lang="en-US" dirty="0" smtClean="0">
                 <a:latin typeface="Times New Roman" panose="02020603050405020304" pitchFamily="18" charset="0"/>
@@ -3620,7 +3652,7 @@
             </a:r>
           </a:p>
           <a:p>
-            <a:pPr lvl="1"/>
+            <a:pPr lvl="1" algn="just"/>
             <a:r>
               <a:rPr lang="en-US" dirty="0" smtClean="0">
                 <a:latin typeface="Times New Roman" panose="02020603050405020304" pitchFamily="18" charset="0"/>
@@ -3633,22 +3665,11 @@
                 <a:latin typeface="Times New Roman" panose="02020603050405020304" pitchFamily="18" charset="0"/>
                 <a:cs typeface="Times New Roman" panose="02020603050405020304" pitchFamily="18" charset="0"/>
               </a:rPr>
-              <a:t> – </a:t>
-            </a:r>
-            <a:r>
-              <a:rPr lang="ru-RU" dirty="0" smtClean="0">
-                <a:latin typeface="Times New Roman" panose="02020603050405020304" pitchFamily="18" charset="0"/>
-                <a:cs typeface="Times New Roman" panose="02020603050405020304" pitchFamily="18" charset="0"/>
-              </a:rPr>
-              <a:t>шаблон, отвечающий за страницу Вопрос-Ответ</a:t>
-            </a:r>
-            <a:endParaRPr lang="ru-RU" dirty="0" smtClean="0">
-              <a:latin typeface="Times New Roman" panose="02020603050405020304" pitchFamily="18" charset="0"/>
-              <a:cs typeface="Times New Roman" panose="02020603050405020304" pitchFamily="18" charset="0"/>
-            </a:endParaRPr>
-          </a:p>
-          <a:p>
-            <a:pPr lvl="1"/>
+              <a:t> – шаблон, отвечающий за страницу Вопрос-Ответ</a:t>
+            </a:r>
+          </a:p>
+          <a:p>
+            <a:pPr lvl="1" algn="just"/>
             <a:r>
               <a:rPr lang="en-US" dirty="0" smtClean="0">
                 <a:latin typeface="Times New Roman" panose="02020603050405020304" pitchFamily="18" charset="0"/>
@@ -3665,7 +3686,7 @@
             </a:r>
           </a:p>
           <a:p>
-            <a:pPr lvl="1"/>
+            <a:pPr lvl="1" algn="just"/>
             <a:r>
               <a:rPr lang="en-US" dirty="0" smtClean="0">
                 <a:latin typeface="Times New Roman" panose="02020603050405020304" pitchFamily="18" charset="0"/>
@@ -3682,7 +3703,7 @@
             </a:r>
           </a:p>
           <a:p>
-            <a:pPr lvl="1"/>
+            <a:pPr lvl="1" algn="just"/>
             <a:r>
               <a:rPr lang="en-US" dirty="0" smtClean="0">
                 <a:latin typeface="Times New Roman" panose="02020603050405020304" pitchFamily="18" charset="0"/>
@@ -3699,7 +3720,7 @@
             </a:r>
           </a:p>
           <a:p>
-            <a:pPr lvl="1"/>
+            <a:pPr lvl="1" algn="just"/>
             <a:r>
               <a:rPr lang="en-US" dirty="0" smtClean="0">
                 <a:latin typeface="Times New Roman" panose="02020603050405020304" pitchFamily="18" charset="0"/>
@@ -3716,7 +3737,7 @@
             </a:r>
           </a:p>
           <a:p>
-            <a:pPr lvl="1"/>
+            <a:pPr lvl="1" algn="just"/>
             <a:r>
               <a:rPr lang="en-US" dirty="0" smtClean="0">
                 <a:latin typeface="Times New Roman" panose="02020603050405020304" pitchFamily="18" charset="0"/>
@@ -3733,7 +3754,7 @@
             </a:r>
           </a:p>
           <a:p>
-            <a:pPr lvl="1"/>
+            <a:pPr lvl="1" algn="just"/>
             <a:r>
               <a:rPr lang="en-US" dirty="0" smtClean="0">
                 <a:latin typeface="Times New Roman" panose="02020603050405020304" pitchFamily="18" charset="0"/>
@@ -3754,7 +3775,7 @@
             </a:endParaRPr>
           </a:p>
           <a:p>
-            <a:pPr lvl="1"/>
+            <a:pPr lvl="1" algn="just"/>
             <a:r>
               <a:rPr lang="en-US" dirty="0" smtClean="0">
                 <a:latin typeface="Times New Roman" panose="02020603050405020304" pitchFamily="18" charset="0"/>
@@ -3775,7 +3796,7 @@
             </a:endParaRPr>
           </a:p>
           <a:p>
-            <a:pPr lvl="1"/>
+            <a:pPr lvl="1" algn="just"/>
             <a:r>
               <a:rPr lang="en-US" dirty="0" smtClean="0">
                 <a:latin typeface="Times New Roman" panose="02020603050405020304" pitchFamily="18" charset="0"/>
@@ -3796,6 +3817,7 @@
             </a:endParaRPr>
           </a:p>
           <a:p>
+            <a:pPr algn="just"/>
             <a:endParaRPr lang="ru-RU" dirty="0">
               <a:latin typeface="Times New Roman" panose="02020603050405020304" pitchFamily="18" charset="0"/>
               <a:cs typeface="Times New Roman" panose="02020603050405020304" pitchFamily="18" charset="0"/>
@@ -3813,6 +3835,18 @@
   <p:clrMapOvr>
     <a:masterClrMapping/>
   </p:clrMapOvr>
+  <mc:AlternateContent xmlns:mc="http://schemas.openxmlformats.org/markup-compatibility/2006" xmlns:p14="http://schemas.microsoft.com/office/powerpoint/2010/main">
+    <mc:Choice Requires="p14">
+      <p:transition spd="slow" p14:dur="3400">
+        <p14:reveal/>
+      </p:transition>
+    </mc:Choice>
+    <mc:Fallback xmlns="">
+      <p:transition spd="slow">
+        <p:fade/>
+      </p:transition>
+    </mc:Fallback>
+  </mc:AlternateContent>
 </p:sld>
 </file>
 
@@ -3853,14 +3887,7 @@
                 <a:latin typeface="Times New Roman" panose="02020603050405020304" pitchFamily="18" charset="0"/>
                 <a:cs typeface="Times New Roman" panose="02020603050405020304" pitchFamily="18" charset="0"/>
               </a:rPr>
-              <a:t>Структура </a:t>
-            </a:r>
-            <a:r>
-              <a:rPr lang="ru-RU" dirty="0" smtClean="0">
-                <a:latin typeface="Times New Roman" panose="02020603050405020304" pitchFamily="18" charset="0"/>
-                <a:cs typeface="Times New Roman" panose="02020603050405020304" pitchFamily="18" charset="0"/>
-              </a:rPr>
-              <a:t>проекта. </a:t>
+              <a:t>Структура проекта. </a:t>
             </a:r>
             <a:r>
               <a:rPr lang="en-US" dirty="0" smtClean="0">
@@ -3891,6 +3918,9 @@
           <a:bodyPr/>
           <a:lstStyle/>
           <a:p>
+            <a:pPr marL="0" indent="0" algn="just">
+              <a:buNone/>
+            </a:pPr>
             <a:r>
               <a:rPr lang="ru-RU" dirty="0" smtClean="0">
                 <a:latin typeface="Times New Roman" panose="02020603050405020304" pitchFamily="18" charset="0"/>
@@ -3953,7 +3983,7 @@
             </a:endParaRPr>
           </a:p>
           <a:p>
-            <a:pPr lvl="1"/>
+            <a:pPr lvl="1" algn="just"/>
             <a:r>
               <a:rPr lang="en-US" dirty="0" smtClean="0">
                 <a:latin typeface="Times New Roman" panose="02020603050405020304" pitchFamily="18" charset="0"/>
@@ -3974,7 +4004,7 @@
             </a:endParaRPr>
           </a:p>
           <a:p>
-            <a:pPr lvl="1"/>
+            <a:pPr lvl="1" algn="just"/>
             <a:r>
               <a:rPr lang="en-US" dirty="0" smtClean="0">
                 <a:latin typeface="Times New Roman" panose="02020603050405020304" pitchFamily="18" charset="0"/>
@@ -4009,13 +4039,14 @@
             </a:endParaRPr>
           </a:p>
           <a:p>
-            <a:pPr lvl="1"/>
+            <a:pPr lvl="1" algn="just"/>
             <a:endParaRPr lang="en-US" dirty="0" smtClean="0">
               <a:latin typeface="Times New Roman" panose="02020603050405020304" pitchFamily="18" charset="0"/>
               <a:cs typeface="Times New Roman" panose="02020603050405020304" pitchFamily="18" charset="0"/>
             </a:endParaRPr>
           </a:p>
           <a:p>
+            <a:pPr algn="just"/>
             <a:endParaRPr lang="ru-RU" dirty="0">
               <a:latin typeface="Times New Roman" panose="02020603050405020304" pitchFamily="18" charset="0"/>
               <a:cs typeface="Times New Roman" panose="02020603050405020304" pitchFamily="18" charset="0"/>
@@ -4033,6 +4064,18 @@
   <p:clrMapOvr>
     <a:masterClrMapping/>
   </p:clrMapOvr>
+  <mc:AlternateContent xmlns:mc="http://schemas.openxmlformats.org/markup-compatibility/2006" xmlns:p14="http://schemas.microsoft.com/office/powerpoint/2010/main">
+    <mc:Choice Requires="p14">
+      <p:transition spd="slow" p14:dur="3400">
+        <p14:reveal/>
+      </p:transition>
+    </mc:Choice>
+    <mc:Fallback xmlns="">
+      <p:transition spd="slow">
+        <p:fade/>
+      </p:transition>
+    </mc:Fallback>
+  </mc:AlternateContent>
 </p:sld>
 </file>
 
@@ -4078,14 +4121,7 @@
                 <a:latin typeface="Times New Roman" panose="02020603050405020304" pitchFamily="18" charset="0"/>
                 <a:cs typeface="Times New Roman" panose="02020603050405020304" pitchFamily="18" charset="0"/>
               </a:rPr>
-              <a:t>Структура </a:t>
-            </a:r>
-            <a:r>
-              <a:rPr lang="ru-RU" dirty="0" smtClean="0">
-                <a:latin typeface="Times New Roman" panose="02020603050405020304" pitchFamily="18" charset="0"/>
-                <a:cs typeface="Times New Roman" panose="02020603050405020304" pitchFamily="18" charset="0"/>
-              </a:rPr>
-              <a:t>проекта. База данных</a:t>
+              <a:t>Структура проекта. База данных</a:t>
             </a:r>
             <a:endParaRPr lang="ru-RU" dirty="0">
               <a:latin typeface="Times New Roman" panose="02020603050405020304" pitchFamily="18" charset="0"/>
@@ -4698,6 +4734,25 @@
   <p:clrMapOvr>
     <a:masterClrMapping/>
   </p:clrMapOvr>
+  <mc:AlternateContent xmlns:mc="http://schemas.openxmlformats.org/markup-compatibility/2006" xmlns:p14="http://schemas.microsoft.com/office/powerpoint/2010/main">
+    <mc:Choice Requires="p14">
+      <p:transition spd="slow" p14:dur="3400">
+        <p14:reveal/>
+      </p:transition>
+    </mc:Choice>
+    <mc:Fallback xmlns="">
+      <p:transition spd="slow">
+        <p:fade/>
+      </p:transition>
+    </mc:Fallback>
+  </mc:AlternateContent>
+  <p:timing>
+    <p:tnLst>
+      <p:par>
+        <p:cTn id="1" dur="indefinite" restart="never" nodeType="tmRoot"/>
+      </p:par>
+    </p:tnLst>
+  </p:timing>
 </p:sld>
 </file>
 
@@ -4728,7 +4783,26 @@
             <p:ph type="title"/>
           </p:nvPr>
         </p:nvSpPr>
-        <p:spPr/>
+        <p:spPr>
+          <a:noFill/>
+          <a:ln>
+            <a:noFill/>
+          </a:ln>
+        </p:spPr>
+        <p:style>
+          <a:lnRef idx="0">
+            <a:scrgbClr r="0" g="0" b="0"/>
+          </a:lnRef>
+          <a:fillRef idx="0">
+            <a:scrgbClr r="0" g="0" b="0"/>
+          </a:fillRef>
+          <a:effectRef idx="0">
+            <a:scrgbClr r="0" g="0" b="0"/>
+          </a:effectRef>
+          <a:fontRef idx="minor">
+            <a:schemeClr val="dk1"/>
+          </a:fontRef>
+        </p:style>
         <p:txBody>
           <a:bodyPr/>
           <a:lstStyle/>
@@ -4738,28 +4812,14 @@
                 <a:latin typeface="Times New Roman" panose="02020603050405020304" pitchFamily="18" charset="0"/>
                 <a:cs typeface="Times New Roman" panose="02020603050405020304" pitchFamily="18" charset="0"/>
               </a:rPr>
-              <a:t>Структура </a:t>
-            </a:r>
-            <a:r>
-              <a:rPr lang="ru-RU" dirty="0" smtClean="0">
-                <a:latin typeface="Times New Roman" panose="02020603050405020304" pitchFamily="18" charset="0"/>
-                <a:cs typeface="Times New Roman" panose="02020603050405020304" pitchFamily="18" charset="0"/>
-              </a:rPr>
-              <a:t>проекта. </a:t>
+              <a:t>Структура проекта. </a:t>
             </a:r>
             <a:r>
               <a:rPr lang="en-US" dirty="0" smtClean="0">
                 <a:latin typeface="Times New Roman" panose="02020603050405020304" pitchFamily="18" charset="0"/>
                 <a:cs typeface="Times New Roman" panose="02020603050405020304" pitchFamily="18" charset="0"/>
               </a:rPr>
-              <a:t>t</a:t>
-            </a:r>
-            <a:r>
-              <a:rPr lang="en-US" dirty="0" smtClean="0">
-                <a:latin typeface="Times New Roman" panose="02020603050405020304" pitchFamily="18" charset="0"/>
-                <a:cs typeface="Times New Roman" panose="02020603050405020304" pitchFamily="18" charset="0"/>
-              </a:rPr>
-              <a:t>etropentada.py</a:t>
+              <a:t>tetropentada.py</a:t>
             </a:r>
             <a:endParaRPr lang="ru-RU" dirty="0">
               <a:latin typeface="Times New Roman" panose="02020603050405020304" pitchFamily="18" charset="0"/>
@@ -4785,18 +4845,16 @@
         </p:spPr>
         <p:style>
           <a:lnRef idx="2">
-            <a:schemeClr val="accent1">
-              <a:shade val="50000"/>
-            </a:schemeClr>
+            <a:schemeClr val="dk1"/>
           </a:lnRef>
           <a:fillRef idx="1">
-            <a:schemeClr val="accent1"/>
+            <a:schemeClr val="lt1"/>
           </a:fillRef>
           <a:effectRef idx="0">
-            <a:schemeClr val="accent1"/>
+            <a:schemeClr val="dk1"/>
           </a:effectRef>
           <a:fontRef idx="minor">
-            <a:schemeClr val="lt1"/>
+            <a:schemeClr val="dk1"/>
           </a:fontRef>
         </p:style>
         <p:txBody>
@@ -4873,18 +4931,16 @@
         </p:spPr>
         <p:style>
           <a:lnRef idx="2">
-            <a:schemeClr val="accent1">
-              <a:shade val="50000"/>
-            </a:schemeClr>
+            <a:schemeClr val="dk1"/>
           </a:lnRef>
           <a:fillRef idx="1">
-            <a:schemeClr val="accent1"/>
+            <a:schemeClr val="lt1"/>
           </a:fillRef>
           <a:effectRef idx="0">
-            <a:schemeClr val="accent1"/>
+            <a:schemeClr val="dk1"/>
           </a:effectRef>
           <a:fontRef idx="minor">
-            <a:schemeClr val="lt1"/>
+            <a:schemeClr val="dk1"/>
           </a:fontRef>
         </p:style>
         <p:txBody>
@@ -5045,18 +5101,16 @@
         </p:spPr>
         <p:style>
           <a:lnRef idx="2">
-            <a:schemeClr val="accent1">
-              <a:shade val="50000"/>
-            </a:schemeClr>
+            <a:schemeClr val="dk1"/>
           </a:lnRef>
           <a:fillRef idx="1">
-            <a:schemeClr val="accent1"/>
+            <a:schemeClr val="lt1"/>
           </a:fillRef>
           <a:effectRef idx="0">
-            <a:schemeClr val="accent1"/>
+            <a:schemeClr val="dk1"/>
           </a:effectRef>
           <a:fontRef idx="minor">
-            <a:schemeClr val="lt1"/>
+            <a:schemeClr val="dk1"/>
           </a:fontRef>
         </p:style>
         <p:txBody>
@@ -5100,17 +5154,17 @@
           </a:ln>
         </p:spPr>
         <p:style>
-          <a:lnRef idx="1">
-            <a:schemeClr val="accent1"/>
+          <a:lnRef idx="2">
+            <a:schemeClr val="dk1"/>
           </a:lnRef>
-          <a:fillRef idx="0">
-            <a:schemeClr val="accent1"/>
+          <a:fillRef idx="1">
+            <a:schemeClr val="lt1"/>
           </a:fillRef>
           <a:effectRef idx="0">
-            <a:schemeClr val="accent1"/>
+            <a:schemeClr val="dk1"/>
           </a:effectRef>
           <a:fontRef idx="minor">
-            <a:schemeClr val="tx1"/>
+            <a:schemeClr val="dk1"/>
           </a:fontRef>
         </p:style>
       </p:cxnSp>
@@ -5136,17 +5190,17 @@
           </a:ln>
         </p:spPr>
         <p:style>
-          <a:lnRef idx="1">
-            <a:schemeClr val="accent1"/>
+          <a:lnRef idx="2">
+            <a:schemeClr val="dk1"/>
           </a:lnRef>
-          <a:fillRef idx="0">
-            <a:schemeClr val="accent1"/>
+          <a:fillRef idx="1">
+            <a:schemeClr val="lt1"/>
           </a:fillRef>
           <a:effectRef idx="0">
-            <a:schemeClr val="accent1"/>
+            <a:schemeClr val="dk1"/>
           </a:effectRef>
           <a:fontRef idx="minor">
-            <a:schemeClr val="tx1"/>
+            <a:schemeClr val="dk1"/>
           </a:fontRef>
         </p:style>
       </p:cxnSp>
@@ -5160,6 +5214,25 @@
   <p:clrMapOvr>
     <a:masterClrMapping/>
   </p:clrMapOvr>
+  <mc:AlternateContent xmlns:mc="http://schemas.openxmlformats.org/markup-compatibility/2006" xmlns:p14="http://schemas.microsoft.com/office/powerpoint/2010/main">
+    <mc:Choice Requires="p14">
+      <p:transition spd="slow" p14:dur="3400">
+        <p14:reveal/>
+      </p:transition>
+    </mc:Choice>
+    <mc:Fallback xmlns="">
+      <p:transition spd="slow">
+        <p:fade/>
+      </p:transition>
+    </mc:Fallback>
+  </mc:AlternateContent>
+  <p:timing>
+    <p:tnLst>
+      <p:par>
+        <p:cTn id="1" dur="indefinite" restart="never" nodeType="tmRoot"/>
+      </p:par>
+    </p:tnLst>
+  </p:timing>
 </p:sld>
 </file>
 
@@ -5233,6 +5306,9 @@
           </a:bodyPr>
           <a:lstStyle/>
           <a:p>
+            <a:pPr marL="0" indent="0" algn="just">
+              <a:buNone/>
+            </a:pPr>
             <a:r>
               <a:rPr lang="ru-RU" dirty="0" smtClean="0">
                 <a:latin typeface="Times New Roman" panose="02020603050405020304" pitchFamily="18" charset="0"/>
@@ -5263,7 +5339,7 @@
             </a:r>
           </a:p>
           <a:p>
-            <a:pPr lvl="1"/>
+            <a:pPr lvl="1" algn="just"/>
             <a:r>
               <a:rPr lang="en-US" dirty="0" smtClean="0">
                 <a:latin typeface="Times New Roman" panose="02020603050405020304" pitchFamily="18" charset="0"/>
@@ -5284,7 +5360,7 @@
             </a:endParaRPr>
           </a:p>
           <a:p>
-            <a:pPr lvl="1"/>
+            <a:pPr lvl="1" algn="just"/>
             <a:r>
               <a:rPr lang="en-US" dirty="0" err="1" smtClean="0">
                 <a:latin typeface="Times New Roman" panose="02020603050405020304" pitchFamily="18" charset="0"/>
@@ -5305,7 +5381,7 @@
             </a:endParaRPr>
           </a:p>
           <a:p>
-            <a:pPr lvl="1"/>
+            <a:pPr lvl="1" algn="just"/>
             <a:r>
               <a:rPr lang="en-US" dirty="0" err="1" smtClean="0">
                 <a:latin typeface="Times New Roman" panose="02020603050405020304" pitchFamily="18" charset="0"/>
@@ -5326,7 +5402,7 @@
             </a:endParaRPr>
           </a:p>
           <a:p>
-            <a:pPr lvl="1"/>
+            <a:pPr lvl="1" algn="just"/>
             <a:r>
               <a:rPr lang="en-US" dirty="0" smtClean="0">
                 <a:latin typeface="Times New Roman" panose="02020603050405020304" pitchFamily="18" charset="0"/>
@@ -5347,7 +5423,7 @@
             </a:endParaRPr>
           </a:p>
           <a:p>
-            <a:pPr lvl="1"/>
+            <a:pPr lvl="1" algn="just"/>
             <a:r>
               <a:rPr lang="en-US" dirty="0" smtClean="0">
                 <a:latin typeface="Times New Roman" panose="02020603050405020304" pitchFamily="18" charset="0"/>
@@ -5368,7 +5444,7 @@
             </a:endParaRPr>
           </a:p>
           <a:p>
-            <a:pPr lvl="1"/>
+            <a:pPr lvl="1" algn="just"/>
             <a:r>
               <a:rPr lang="en-US" dirty="0" err="1" smtClean="0">
                 <a:latin typeface="Times New Roman" panose="02020603050405020304" pitchFamily="18" charset="0"/>
@@ -5389,7 +5465,7 @@
             </a:endParaRPr>
           </a:p>
           <a:p>
-            <a:pPr lvl="1"/>
+            <a:pPr lvl="1" algn="just"/>
             <a:r>
               <a:rPr lang="en-US" dirty="0" smtClean="0">
                 <a:latin typeface="Times New Roman" panose="02020603050405020304" pitchFamily="18" charset="0"/>
@@ -5410,7 +5486,7 @@
             </a:endParaRPr>
           </a:p>
           <a:p>
-            <a:pPr lvl="1"/>
+            <a:pPr lvl="1" algn="just"/>
             <a:r>
               <a:rPr lang="en-US" dirty="0" err="1" smtClean="0">
                 <a:latin typeface="Times New Roman" panose="02020603050405020304" pitchFamily="18" charset="0"/>
@@ -5431,7 +5507,7 @@
             </a:endParaRPr>
           </a:p>
           <a:p>
-            <a:pPr lvl="1"/>
+            <a:pPr lvl="1" algn="just"/>
             <a:r>
               <a:rPr lang="en-US" dirty="0" err="1" smtClean="0">
                 <a:latin typeface="Times New Roman" panose="02020603050405020304" pitchFamily="18" charset="0"/>
@@ -5452,7 +5528,7 @@
             </a:endParaRPr>
           </a:p>
           <a:p>
-            <a:pPr lvl="1"/>
+            <a:pPr lvl="1" algn="just"/>
             <a:r>
               <a:rPr lang="en-US" dirty="0" err="1" smtClean="0">
                 <a:latin typeface="Times New Roman" panose="02020603050405020304" pitchFamily="18" charset="0"/>
@@ -5480,7 +5556,7 @@
             </a:endParaRPr>
           </a:p>
           <a:p>
-            <a:pPr lvl="1"/>
+            <a:pPr lvl="1" algn="just"/>
             <a:r>
               <a:rPr lang="en-US" dirty="0" err="1" smtClean="0">
                 <a:latin typeface="Times New Roman" panose="02020603050405020304" pitchFamily="18" charset="0"/>
@@ -5501,7 +5577,7 @@
             </a:endParaRPr>
           </a:p>
           <a:p>
-            <a:pPr lvl="1"/>
+            <a:pPr lvl="1" algn="just"/>
             <a:r>
               <a:rPr lang="en-US" dirty="0" err="1" smtClean="0">
                 <a:latin typeface="Times New Roman" panose="02020603050405020304" pitchFamily="18" charset="0"/>
@@ -5536,7 +5612,7 @@
             </a:endParaRPr>
           </a:p>
           <a:p>
-            <a:pPr lvl="1"/>
+            <a:pPr lvl="1" algn="just"/>
             <a:r>
               <a:rPr lang="en-US" dirty="0" err="1" smtClean="0">
                 <a:latin typeface="Times New Roman" panose="02020603050405020304" pitchFamily="18" charset="0"/>
@@ -5557,7 +5633,7 @@
             </a:endParaRPr>
           </a:p>
           <a:p>
-            <a:pPr lvl="1"/>
+            <a:pPr lvl="1" algn="just"/>
             <a:r>
               <a:rPr lang="en-US" dirty="0" err="1" smtClean="0">
                 <a:latin typeface="Times New Roman" panose="02020603050405020304" pitchFamily="18" charset="0"/>
@@ -5592,7 +5668,7 @@
             </a:endParaRPr>
           </a:p>
           <a:p>
-            <a:pPr lvl="1"/>
+            <a:pPr lvl="1" algn="just"/>
             <a:endParaRPr lang="ru-RU" dirty="0">
               <a:latin typeface="Times New Roman" panose="02020603050405020304" pitchFamily="18" charset="0"/>
               <a:cs typeface="Times New Roman" panose="02020603050405020304" pitchFamily="18" charset="0"/>
@@ -5610,6 +5686,230 @@
   <p:clrMapOvr>
     <a:masterClrMapping/>
   </p:clrMapOvr>
+  <mc:AlternateContent xmlns:mc="http://schemas.openxmlformats.org/markup-compatibility/2006" xmlns:p14="http://schemas.microsoft.com/office/powerpoint/2010/main">
+    <mc:Choice Requires="p14">
+      <p:transition spd="slow" p14:dur="3400">
+        <p14:reveal/>
+      </p:transition>
+    </mc:Choice>
+    <mc:Fallback xmlns="">
+      <p:transition spd="slow">
+        <p:fade/>
+      </p:transition>
+    </mc:Fallback>
+  </mc:AlternateContent>
+  <p:timing>
+    <p:tnLst>
+      <p:par>
+        <p:cTn id="1" dur="indefinite" restart="never" nodeType="tmRoot"/>
+      </p:par>
+    </p:tnLst>
+  </p:timing>
+</p:sld>
+</file>
+
+<file path=ppt/slides/slide8.xml><?xml version="1.0" encoding="utf-8"?>
+<p:sld xmlns:a="http://schemas.openxmlformats.org/drawingml/2006/main" xmlns:r="http://schemas.openxmlformats.org/officeDocument/2006/relationships" xmlns:p="http://schemas.openxmlformats.org/presentationml/2006/main">
+  <p:cSld>
+    <p:spTree>
+      <p:nvGrpSpPr>
+        <p:cNvPr id="1" name=""/>
+        <p:cNvGrpSpPr/>
+        <p:nvPr/>
+      </p:nvGrpSpPr>
+      <p:grpSpPr>
+        <a:xfrm>
+          <a:off x="0" y="0"/>
+          <a:ext cx="0" cy="0"/>
+          <a:chOff x="0" y="0"/>
+          <a:chExt cx="0" cy="0"/>
+        </a:xfrm>
+      </p:grpSpPr>
+      <p:sp>
+        <p:nvSpPr>
+          <p:cNvPr id="2" name="Заголовок 1"/>
+          <p:cNvSpPr>
+            <a:spLocks noGrp="1"/>
+          </p:cNvSpPr>
+          <p:nvPr>
+            <p:ph type="title"/>
+          </p:nvPr>
+        </p:nvSpPr>
+        <p:spPr/>
+        <p:txBody>
+          <a:bodyPr/>
+          <a:lstStyle/>
+          <a:p>
+            <a:r>
+              <a:rPr lang="ru-RU" dirty="0" smtClean="0">
+                <a:latin typeface="Times New Roman" panose="02020603050405020304" pitchFamily="18" charset="0"/>
+                <a:cs typeface="Times New Roman" panose="02020603050405020304" pitchFamily="18" charset="0"/>
+              </a:rPr>
+              <a:t>Практическое применение. Вывод</a:t>
+            </a:r>
+            <a:endParaRPr lang="ru-RU" dirty="0">
+              <a:latin typeface="Times New Roman" panose="02020603050405020304" pitchFamily="18" charset="0"/>
+              <a:cs typeface="Times New Roman" panose="02020603050405020304" pitchFamily="18" charset="0"/>
+            </a:endParaRPr>
+          </a:p>
+        </p:txBody>
+      </p:sp>
+      <p:sp>
+        <p:nvSpPr>
+          <p:cNvPr id="3" name="Объект 2"/>
+          <p:cNvSpPr>
+            <a:spLocks noGrp="1"/>
+          </p:cNvSpPr>
+          <p:nvPr>
+            <p:ph idx="1"/>
+          </p:nvPr>
+        </p:nvSpPr>
+        <p:spPr/>
+        <p:txBody>
+          <a:bodyPr>
+            <a:normAutofit fontScale="92500" lnSpcReduction="10000"/>
+          </a:bodyPr>
+          <a:lstStyle/>
+          <a:p>
+            <a:pPr marL="0" indent="0">
+              <a:buNone/>
+            </a:pPr>
+            <a:r>
+              <a:rPr lang="ru-RU" dirty="0" smtClean="0">
+                <a:latin typeface="Times New Roman" panose="02020603050405020304" pitchFamily="18" charset="0"/>
+                <a:cs typeface="Times New Roman" panose="02020603050405020304" pitchFamily="18" charset="0"/>
+              </a:rPr>
+              <a:t>На данный момент, у нас реализован сайт, позволяющий получать новую информацию посредством вопроса-ответа, т.е. один человек задает вопрос, другой отвечает на него.</a:t>
+            </a:r>
+          </a:p>
+          <a:p>
+            <a:pPr marL="0" indent="0">
+              <a:buNone/>
+            </a:pPr>
+            <a:r>
+              <a:rPr lang="ru-RU" dirty="0" smtClean="0">
+                <a:latin typeface="Times New Roman" panose="02020603050405020304" pitchFamily="18" charset="0"/>
+                <a:cs typeface="Times New Roman" panose="02020603050405020304" pitchFamily="18" charset="0"/>
+              </a:rPr>
+              <a:t>С помощью поиска, реализованного на сайте, вы сможете, получить ответ искомый вопрос, если он существует или создать новый вопрос.</a:t>
+            </a:r>
+          </a:p>
+          <a:p>
+            <a:pPr marL="0" indent="0">
+              <a:buNone/>
+            </a:pPr>
+            <a:r>
+              <a:rPr lang="ru-RU" dirty="0" smtClean="0">
+                <a:latin typeface="Times New Roman" panose="02020603050405020304" pitchFamily="18" charset="0"/>
+                <a:cs typeface="Times New Roman" panose="02020603050405020304" pitchFamily="18" charset="0"/>
+              </a:rPr>
+              <a:t>С помощью сортировки вы можете найти вопросы по интересующей вас области. А также с помощью умной сортировки (</a:t>
+            </a:r>
+            <a:r>
+              <a:rPr lang="en-US" dirty="0" smtClean="0">
+                <a:latin typeface="Times New Roman" panose="02020603050405020304" pitchFamily="18" charset="0"/>
+                <a:cs typeface="Times New Roman" panose="02020603050405020304" pitchFamily="18" charset="0"/>
+              </a:rPr>
+              <a:t>LSA</a:t>
+            </a:r>
+            <a:r>
+              <a:rPr lang="ru-RU" dirty="0" smtClean="0">
+                <a:latin typeface="Times New Roman" panose="02020603050405020304" pitchFamily="18" charset="0"/>
+                <a:cs typeface="Times New Roman" panose="02020603050405020304" pitchFamily="18" charset="0"/>
+              </a:rPr>
+              <a:t>) отсортировать вопросы по вашему поиску.</a:t>
+            </a:r>
+          </a:p>
+          <a:p>
+            <a:pPr marL="0" indent="0">
+              <a:buNone/>
+            </a:pPr>
+            <a:r>
+              <a:rPr lang="ru-RU" dirty="0" smtClean="0">
+                <a:latin typeface="Times New Roman" panose="02020603050405020304" pitchFamily="18" charset="0"/>
+                <a:cs typeface="Times New Roman" panose="02020603050405020304" pitchFamily="18" charset="0"/>
+              </a:rPr>
+              <a:t>Также вы можете</a:t>
+            </a:r>
+            <a:r>
+              <a:rPr lang="en-US" dirty="0" smtClean="0">
+                <a:latin typeface="Times New Roman" panose="02020603050405020304" pitchFamily="18" charset="0"/>
+                <a:cs typeface="Times New Roman" panose="02020603050405020304" pitchFamily="18" charset="0"/>
+              </a:rPr>
+              <a:t>:</a:t>
+            </a:r>
+            <a:endParaRPr lang="ru-RU" dirty="0">
+              <a:latin typeface="Times New Roman" panose="02020603050405020304" pitchFamily="18" charset="0"/>
+              <a:cs typeface="Times New Roman" panose="02020603050405020304" pitchFamily="18" charset="0"/>
+            </a:endParaRPr>
+          </a:p>
+          <a:p>
+            <a:pPr lvl="1"/>
+            <a:r>
+              <a:rPr lang="ru-RU" dirty="0">
+                <a:latin typeface="Times New Roman" panose="02020603050405020304" pitchFamily="18" charset="0"/>
+                <a:cs typeface="Times New Roman" panose="02020603050405020304" pitchFamily="18" charset="0"/>
+              </a:rPr>
+              <a:t>Зарегистрироваться и войти в </a:t>
+            </a:r>
+            <a:r>
+              <a:rPr lang="ru-RU" dirty="0" smtClean="0">
+                <a:latin typeface="Times New Roman" panose="02020603050405020304" pitchFamily="18" charset="0"/>
+                <a:cs typeface="Times New Roman" panose="02020603050405020304" pitchFamily="18" charset="0"/>
+              </a:rPr>
+              <a:t>систему</a:t>
+            </a:r>
+            <a:endParaRPr lang="en-US" dirty="0" smtClean="0">
+              <a:latin typeface="Times New Roman" panose="02020603050405020304" pitchFamily="18" charset="0"/>
+              <a:cs typeface="Times New Roman" panose="02020603050405020304" pitchFamily="18" charset="0"/>
+            </a:endParaRPr>
+          </a:p>
+          <a:p>
+            <a:pPr lvl="1"/>
+            <a:r>
+              <a:rPr lang="ru-RU" dirty="0" smtClean="0">
+                <a:latin typeface="Times New Roman" panose="02020603050405020304" pitchFamily="18" charset="0"/>
+                <a:cs typeface="Times New Roman" panose="02020603050405020304" pitchFamily="18" charset="0"/>
+              </a:rPr>
+              <a:t>Получить информацию о пользователе задавшего или ответившего на вопрос</a:t>
+            </a:r>
+          </a:p>
+          <a:p>
+            <a:pPr lvl="1"/>
+            <a:r>
+              <a:rPr lang="ru-RU" dirty="0" smtClean="0">
+                <a:latin typeface="Times New Roman" panose="02020603050405020304" pitchFamily="18" charset="0"/>
+                <a:cs typeface="Times New Roman" panose="02020603050405020304" pitchFamily="18" charset="0"/>
+              </a:rPr>
+              <a:t>Редактировать свой профиль</a:t>
+            </a:r>
+          </a:p>
+          <a:p>
+            <a:pPr lvl="1"/>
+            <a:endParaRPr lang="ru-RU" dirty="0" smtClean="0">
+              <a:latin typeface="Times New Roman" panose="02020603050405020304" pitchFamily="18" charset="0"/>
+              <a:cs typeface="Times New Roman" panose="02020603050405020304" pitchFamily="18" charset="0"/>
+            </a:endParaRPr>
+          </a:p>
+        </p:txBody>
+      </p:sp>
+    </p:spTree>
+    <p:extLst>
+      <p:ext uri="{BB962C8B-B14F-4D97-AF65-F5344CB8AC3E}">
+        <p14:creationId xmlns:p14="http://schemas.microsoft.com/office/powerpoint/2010/main" val="4284244896"/>
+      </p:ext>
+    </p:extLst>
+  </p:cSld>
+  <p:clrMapOvr>
+    <a:masterClrMapping/>
+  </p:clrMapOvr>
+  <p:timing>
+    <p:tnLst>
+      <p:par>
+        <p:cTn id="1" dur="indefinite" restart="never" nodeType="tmRoot"/>
+      </p:par>
+    </p:tnLst>
+  </p:timing>
 </p:sld>
 </file>
 
